--- a/CrimeStatsProject.pptx
+++ b/CrimeStatsProject.pptx
@@ -21,14 +21,14 @@
     <p:sldId id="420" r:id="rId12"/>
     <p:sldId id="408" r:id="rId13"/>
     <p:sldId id="427" r:id="rId14"/>
-    <p:sldId id="428" r:id="rId15"/>
-    <p:sldId id="436" r:id="rId16"/>
-    <p:sldId id="437" r:id="rId17"/>
-    <p:sldId id="432" r:id="rId18"/>
-    <p:sldId id="440" r:id="rId19"/>
-    <p:sldId id="431" r:id="rId20"/>
-    <p:sldId id="433" r:id="rId21"/>
-    <p:sldId id="442" r:id="rId22"/>
+    <p:sldId id="433" r:id="rId15"/>
+    <p:sldId id="428" r:id="rId16"/>
+    <p:sldId id="436" r:id="rId17"/>
+    <p:sldId id="437" r:id="rId18"/>
+    <p:sldId id="432" r:id="rId19"/>
+    <p:sldId id="442" r:id="rId20"/>
+    <p:sldId id="440" r:id="rId21"/>
+    <p:sldId id="431" r:id="rId22"/>
     <p:sldId id="443" r:id="rId23"/>
     <p:sldId id="444" r:id="rId24"/>
     <p:sldId id="425" r:id="rId25"/>
@@ -163,84 +163,6 @@
 </p:cmAuthorLst>
 </file>
 
-<file path=ppt/revisionInfo.xml><?xml version="1.0" encoding="utf-8"?>
-<p1510:revInfo xmlns:a="http://schemas.openxmlformats.org/drawingml/2006/main" xmlns:r="http://schemas.openxmlformats.org/officeDocument/2006/relationships" xmlns:p1510="http://schemas.microsoft.com/office/powerpoint/2015/10/main">
-  <p1510:revLst>
-    <p1510:client id="{952A33E3-4436-4628-8BCC-3015477FDBBE}" v="61" dt="2021-02-13T02:30:29.873"/>
-  </p1510:revLst>
-</p1510:revInfo>
-</file>
-
-<file path=ppt/comments/comment1.xml><?xml version="1.0" encoding="utf-8"?>
-<p:cmLst xmlns:a="http://schemas.openxmlformats.org/drawingml/2006/main" xmlns:r="http://schemas.openxmlformats.org/officeDocument/2006/relationships" xmlns:p="http://schemas.openxmlformats.org/presentationml/2006/main">
-  <p:cm authorId="2" dt="2021-02-12T21:18:03.289" idx="7">
-    <p:pos x="10" y="10"/>
-    <p:text>Luis and Cameron, what should go here? Process?</p:text>
-    <p:extLst>
-      <p:ext uri="{C676402C-5697-4E1C-873F-D02D1690AC5C}">
-        <p15:threadingInfo xmlns:p15="http://schemas.microsoft.com/office/powerpoint/2012/main" timeZoneBias="300"/>
-      </p:ext>
-    </p:extLst>
-  </p:cm>
-</p:cmLst>
-</file>
-
-<file path=ppt/comments/comment2.xml><?xml version="1.0" encoding="utf-8"?>
-<p:cmLst xmlns:a="http://schemas.openxmlformats.org/drawingml/2006/main" xmlns:r="http://schemas.openxmlformats.org/officeDocument/2006/relationships" xmlns:p="http://schemas.openxmlformats.org/presentationml/2006/main">
-  <p:cm authorId="1" dt="2021-02-11T09:27:42.366" idx="8">
-    <p:pos x="7570" y="310"/>
-    <p:text>Cameron and Luis - Markita provided this image Wed night. If you make any changes to it, please let her know.</p:text>
-    <p:extLst>
-      <p:ext uri="{C676402C-5697-4E1C-873F-D02D1690AC5C}">
-        <p15:threadingInfo xmlns:p15="http://schemas.microsoft.com/office/powerpoint/2012/main" timeZoneBias="300"/>
-      </p:ext>
-    </p:extLst>
-  </p:cm>
-</p:cmLst>
-</file>
-
-<file path=ppt/comments/comment3.xml><?xml version="1.0" encoding="utf-8"?>
-<p:cmLst xmlns:a="http://schemas.openxmlformats.org/drawingml/2006/main" xmlns:r="http://schemas.openxmlformats.org/officeDocument/2006/relationships" xmlns:p="http://schemas.openxmlformats.org/presentationml/2006/main">
-  <p:cm authorId="2" dt="2021-02-12T20:35:31.486" idx="5">
-    <p:pos x="10" y="10"/>
-    <p:text>what other chart can we put here?</p:text>
-    <p:extLst>
-      <p:ext uri="{C676402C-5697-4E1C-873F-D02D1690AC5C}">
-        <p15:threadingInfo xmlns:p15="http://schemas.microsoft.com/office/powerpoint/2012/main" timeZoneBias="300"/>
-      </p:ext>
-    </p:extLst>
-  </p:cm>
-</p:cmLst>
-</file>
-
-<file path=ppt/comments/comment4.xml><?xml version="1.0" encoding="utf-8"?>
-<p:cmLst xmlns:a="http://schemas.openxmlformats.org/drawingml/2006/main" xmlns:r="http://schemas.openxmlformats.org/officeDocument/2006/relationships" xmlns:p="http://schemas.openxmlformats.org/presentationml/2006/main">
-  <p:cm authorId="2" dt="2021-02-12T20:29:33.620" idx="3">
-    <p:pos x="10" y="10"/>
-    <p:text>was there a plot that Luis wanted here? We can't find it...</p:text>
-    <p:extLst>
-      <p:ext uri="{C676402C-5697-4E1C-873F-D02D1690AC5C}">
-        <p15:threadingInfo xmlns:p15="http://schemas.microsoft.com/office/powerpoint/2012/main" timeZoneBias="300"/>
-      </p:ext>
-    </p:extLst>
-  </p:cm>
-</p:cmLst>
-</file>
-
-<file path=ppt/comments/comment5.xml><?xml version="1.0" encoding="utf-8"?>
-<p:cmLst xmlns:a="http://schemas.openxmlformats.org/drawingml/2006/main" xmlns:r="http://schemas.openxmlformats.org/officeDocument/2006/relationships" xmlns:p="http://schemas.openxmlformats.org/presentationml/2006/main">
-  <p:cm authorId="2" dt="2021-02-12T20:59:09.632" idx="6">
-    <p:pos x="10" y="10"/>
-    <p:text>Linear regression or no? All 4?</p:text>
-    <p:extLst>
-      <p:ext uri="{C676402C-5697-4E1C-873F-D02D1690AC5C}">
-        <p15:threadingInfo xmlns:p15="http://schemas.microsoft.com/office/powerpoint/2012/main" timeZoneBias="300"/>
-      </p:ext>
-    </p:extLst>
-  </p:cm>
-</p:cmLst>
-</file>
-
 <file path=ppt/handoutMasters/handoutMaster1.xml><?xml version="1.0" encoding="utf-8"?>
 <p:handoutMaster xmlns:a="http://schemas.openxmlformats.org/drawingml/2006/main" xmlns:r="http://schemas.openxmlformats.org/officeDocument/2006/relationships" xmlns:p="http://schemas.openxmlformats.org/presentationml/2006/main">
   <p:cSld>
@@ -335,7 +257,7 @@
           <a:p>
             <a:fld id="{DE773F5E-F60B-3D42-A6DD-6D5611C2F6EE}" type="datetimeFigureOut">
               <a:rPr lang="en-US" smtClean="0"/>
-              <a:t>2/12/2021</a:t>
+              <a:t>2/13/2021</a:t>
             </a:fld>
             <a:endParaRPr lang="en-US" dirty="0"/>
           </a:p>
@@ -512,7 +434,7 @@
           <a:p>
             <a:fld id="{37C998B8-3E3A-47BA-A13D-909692B4C266}" type="datetimeFigureOut">
               <a:rPr lang="en-US" smtClean="0"/>
-              <a:t>2/12/2021</a:t>
+              <a:t>2/13/2021</a:t>
             </a:fld>
             <a:endParaRPr lang="en-US"/>
           </a:p>
@@ -3573,7 +3495,7 @@
           <a:p>
             <a:fld id="{8F9F391E-143D-F948-ADAE-29AEA3C1EBFB}" type="datetimeFigureOut">
               <a:rPr lang="en-US" smtClean="0"/>
-              <a:t>2/12/2021</a:t>
+              <a:t>2/13/2021</a:t>
             </a:fld>
             <a:endParaRPr lang="en-US" dirty="0"/>
           </a:p>
@@ -4193,7 +4115,7 @@
           <a:p>
             <a:fld id="{8F9F391E-143D-F948-ADAE-29AEA3C1EBFB}" type="datetimeFigureOut">
               <a:rPr lang="en-US" smtClean="0"/>
-              <a:t>2/12/2021</a:t>
+              <a:t>2/13/2021</a:t>
             </a:fld>
             <a:endParaRPr lang="en-US" dirty="0"/>
           </a:p>
@@ -5146,7 +5068,7 @@
           <a:p>
             <a:fld id="{8F9F391E-143D-F948-ADAE-29AEA3C1EBFB}" type="datetimeFigureOut">
               <a:rPr lang="en-US" smtClean="0"/>
-              <a:t>2/12/2021</a:t>
+              <a:t>2/13/2021</a:t>
             </a:fld>
             <a:endParaRPr lang="en-US" dirty="0"/>
           </a:p>
@@ -5853,7 +5775,7 @@
           <a:p>
             <a:fld id="{8F9F391E-143D-F948-ADAE-29AEA3C1EBFB}" type="datetimeFigureOut">
               <a:rPr lang="en-US" smtClean="0"/>
-              <a:t>2/12/2021</a:t>
+              <a:t>2/13/2021</a:t>
             </a:fld>
             <a:endParaRPr lang="en-US" dirty="0"/>
           </a:p>
@@ -7218,7 +7140,7 @@
           <a:p>
             <a:fld id="{8F9F391E-143D-F948-ADAE-29AEA3C1EBFB}" type="datetimeFigureOut">
               <a:rPr lang="en-US" smtClean="0"/>
-              <a:t>2/12/2021</a:t>
+              <a:t>2/13/2021</a:t>
             </a:fld>
             <a:endParaRPr lang="en-US" dirty="0"/>
           </a:p>
@@ -7619,7 +7541,7 @@
           <a:p>
             <a:fld id="{8F9F391E-143D-F948-ADAE-29AEA3C1EBFB}" type="datetimeFigureOut">
               <a:rPr lang="en-US" smtClean="0"/>
-              <a:t>2/12/2021</a:t>
+              <a:t>2/13/2021</a:t>
             </a:fld>
             <a:endParaRPr lang="en-US" dirty="0"/>
           </a:p>
@@ -8072,7 +7994,7 @@
           <a:p>
             <a:fld id="{8F9F391E-143D-F948-ADAE-29AEA3C1EBFB}" type="datetimeFigureOut">
               <a:rPr lang="en-US" smtClean="0"/>
-              <a:t>2/12/2021</a:t>
+              <a:t>2/13/2021</a:t>
             </a:fld>
             <a:endParaRPr lang="en-US" dirty="0"/>
           </a:p>
@@ -8486,7 +8408,7 @@
           <a:p>
             <a:fld id="{8F9F391E-143D-F948-ADAE-29AEA3C1EBFB}" type="datetimeFigureOut">
               <a:rPr lang="en-US" smtClean="0"/>
-              <a:t>2/12/2021</a:t>
+              <a:t>2/13/2021</a:t>
             </a:fld>
             <a:endParaRPr lang="en-US" dirty="0"/>
           </a:p>
@@ -10513,7 +10435,7 @@
           <a:p>
             <a:fld id="{8F9F391E-143D-F948-ADAE-29AEA3C1EBFB}" type="datetimeFigureOut">
               <a:rPr lang="en-US" smtClean="0"/>
-              <a:t>2/12/2021</a:t>
+              <a:t>2/13/2021</a:t>
             </a:fld>
             <a:endParaRPr lang="en-US" dirty="0"/>
           </a:p>
@@ -12374,7 +12296,7 @@
           <a:p>
             <a:fld id="{8F9F391E-143D-F948-ADAE-29AEA3C1EBFB}" type="datetimeFigureOut">
               <a:rPr lang="en-US" smtClean="0"/>
-              <a:t>2/12/2021</a:t>
+              <a:t>2/13/2021</a:t>
             </a:fld>
             <a:endParaRPr lang="en-US" dirty="0"/>
           </a:p>
@@ -14342,7 +14264,7 @@
             <a:fld id="{8F9F391E-143D-F948-ADAE-29AEA3C1EBFB}" type="datetimeFigureOut">
               <a:rPr lang="en-US" smtClean="0"/>
               <a:pPr/>
-              <a:t>2/12/2021</a:t>
+              <a:t>2/13/2021</a:t>
             </a:fld>
             <a:endParaRPr lang="en-US" dirty="0"/>
           </a:p>
@@ -16034,7 +15956,7 @@
             <a:fld id="{8F9F391E-143D-F948-ADAE-29AEA3C1EBFB}" type="datetimeFigureOut">
               <a:rPr lang="en-US" smtClean="0"/>
               <a:pPr/>
-              <a:t>2/12/2021</a:t>
+              <a:t>2/13/2021</a:t>
             </a:fld>
             <a:endParaRPr lang="en-US" dirty="0"/>
           </a:p>
@@ -18012,7 +17934,7 @@
           <a:p>
             <a:fld id="{8F9F391E-143D-F948-ADAE-29AEA3C1EBFB}" type="datetimeFigureOut">
               <a:rPr lang="en-US" smtClean="0"/>
-              <a:t>2/12/2021</a:t>
+              <a:t>2/13/2021</a:t>
             </a:fld>
             <a:endParaRPr lang="en-US" dirty="0"/>
           </a:p>
@@ -18371,7 +18293,7 @@
           <a:p>
             <a:fld id="{8F9F391E-143D-F948-ADAE-29AEA3C1EBFB}" type="datetimeFigureOut">
               <a:rPr lang="en-US" smtClean="0"/>
-              <a:t>2/12/2021</a:t>
+              <a:t>2/13/2021</a:t>
             </a:fld>
             <a:endParaRPr lang="en-US" dirty="0"/>
           </a:p>
@@ -18730,7 +18652,7 @@
           <a:p>
             <a:fld id="{8F9F391E-143D-F948-ADAE-29AEA3C1EBFB}" type="datetimeFigureOut">
               <a:rPr lang="en-US" smtClean="0"/>
-              <a:t>2/12/2021</a:t>
+              <a:t>2/13/2021</a:t>
             </a:fld>
             <a:endParaRPr lang="en-US" dirty="0"/>
           </a:p>
@@ -19179,7 +19101,7 @@
           <a:p>
             <a:fld id="{8F9F391E-143D-F948-ADAE-29AEA3C1EBFB}" type="datetimeFigureOut">
               <a:rPr lang="en-US" smtClean="0"/>
-              <a:t>2/12/2021</a:t>
+              <a:t>2/13/2021</a:t>
             </a:fld>
             <a:endParaRPr lang="en-US" dirty="0"/>
           </a:p>
@@ -19638,7 +19560,7 @@
           <a:p>
             <a:fld id="{8F9F391E-143D-F948-ADAE-29AEA3C1EBFB}" type="datetimeFigureOut">
               <a:rPr lang="en-US" smtClean="0"/>
-              <a:t>2/12/2021</a:t>
+              <a:t>2/13/2021</a:t>
             </a:fld>
             <a:endParaRPr lang="en-US" dirty="0"/>
           </a:p>
@@ -20138,7 +20060,7 @@
           <a:p>
             <a:fld id="{F5356824-A55C-4F44-B9CB-109B027241D7}" type="datetimeFigureOut">
               <a:rPr lang="en-US" smtClean="0"/>
-              <a:t>2/12/2021</a:t>
+              <a:t>2/13/2021</a:t>
             </a:fld>
             <a:endParaRPr lang="en-US" dirty="0"/>
           </a:p>
@@ -21131,126 +21053,12 @@
           </a:p>
         </p:txBody>
       </p:sp>
-      <p:sp>
-        <p:nvSpPr>
-          <p:cNvPr id="12" name="Rectangle 1">
-            <a:extLst>
-              <a:ext uri="{FF2B5EF4-FFF2-40B4-BE49-F238E27FC236}">
-                <a16:creationId xmlns:a16="http://schemas.microsoft.com/office/drawing/2014/main" id="{30CDA91B-7B75-4BCF-8FED-AACC4B32903C}"/>
-              </a:ext>
-            </a:extLst>
-          </p:cNvPr>
-          <p:cNvSpPr>
-            <a:spLocks noChangeArrowheads="1"/>
-          </p:cNvSpPr>
-          <p:nvPr/>
-        </p:nvSpPr>
-        <p:spPr bwMode="auto">
-          <a:xfrm flipH="1">
-            <a:off x="8572494" y="6062869"/>
-            <a:ext cx="2917137" cy="153888"/>
-          </a:xfrm>
-          <a:prstGeom prst="rect">
-            <a:avLst/>
-          </a:prstGeom>
-          <a:solidFill>
-            <a:srgbClr val="FFFFFF"/>
-          </a:solidFill>
-          <a:ln>
-            <a:noFill/>
-          </a:ln>
-          <a:effectLst/>
-          <a:extLst>
-            <a:ext uri="{91240B29-F687-4F45-9708-019B960494DF}">
-              <a14:hiddenLine xmlns:a14="http://schemas.microsoft.com/office/drawing/2010/main" w="9525">
-                <a:solidFill>
-                  <a:schemeClr val="tx1"/>
-                </a:solidFill>
-                <a:miter lim="800000"/>
-                <a:headEnd/>
-                <a:tailEnd/>
-              </a14:hiddenLine>
-            </a:ext>
-            <a:ext uri="{AF507438-7753-43E0-B8FC-AC1667EBCBE1}">
-              <a14:hiddenEffects xmlns:a14="http://schemas.microsoft.com/office/drawing/2010/main">
-                <a:effectLst>
-                  <a:outerShdw dist="35921" dir="2700000" algn="ctr" rotWithShape="0">
-                    <a:schemeClr val="bg2"/>
-                  </a:outerShdw>
-                </a:effectLst>
-              </a14:hiddenEffects>
-            </a:ext>
-          </a:extLst>
-        </p:spPr>
-        <p:txBody>
-          <a:bodyPr vert="horz" wrap="square" lIns="0" tIns="0" rIns="0" bIns="0" numCol="1" anchor="ctr" anchorCtr="0" compatLnSpc="1">
-            <a:prstTxWarp prst="textNoShape">
-              <a:avLst/>
-            </a:prstTxWarp>
-            <a:spAutoFit/>
-          </a:bodyPr>
-          <a:lstStyle/>
-          <a:p>
-            <a:pPr marL="0" marR="0" lvl="0" indent="0" algn="l" defTabSz="914400" rtl="0" eaLnBrk="0" fontAlgn="base" latinLnBrk="0" hangingPunct="0">
-              <a:lnSpc>
-                <a:spcPct val="100000"/>
-              </a:lnSpc>
-              <a:spcBef>
-                <a:spcPct val="0"/>
-              </a:spcBef>
-              <a:spcAft>
-                <a:spcPct val="0"/>
-              </a:spcAft>
-              <a:buClrTx/>
-              <a:buSzTx/>
-              <a:buFontTx/>
-              <a:buNone/>
-              <a:tabLst/>
-            </a:pPr>
-            <a:r>
-              <a:rPr kumimoji="0" lang="en-US" altLang="en-US" sz="1000" b="0" i="0" u="none" strike="noStrike" cap="none" normalizeH="0" baseline="0" dirty="0">
-                <a:ln>
-                  <a:noFill/>
-                </a:ln>
-                <a:solidFill>
-                  <a:srgbClr val="000000"/>
-                </a:solidFill>
-                <a:effectLst/>
-                <a:latin typeface="Courier New" panose="02070309020205020404" pitchFamily="49" charset="0"/>
-              </a:rPr>
-              <a:t>The correlation coefficient 0.55</a:t>
-            </a:r>
-            <a:r>
-              <a:rPr kumimoji="0" lang="en-US" altLang="en-US" sz="800" b="0" i="0" u="none" strike="noStrike" cap="none" normalizeH="0" baseline="0" dirty="0">
-                <a:ln>
-                  <a:noFill/>
-                </a:ln>
-                <a:solidFill>
-                  <a:schemeClr val="tx1"/>
-                </a:solidFill>
-                <a:effectLst/>
-              </a:rPr>
-              <a:t> </a:t>
-            </a:r>
-            <a:endParaRPr kumimoji="0" lang="en-US" altLang="en-US" sz="1800" b="0" i="0" u="none" strike="noStrike" cap="none" normalizeH="0" baseline="0" dirty="0">
-              <a:ln>
-                <a:noFill/>
-              </a:ln>
-              <a:solidFill>
-                <a:schemeClr val="tx1"/>
-              </a:solidFill>
-              <a:effectLst/>
-              <a:latin typeface="Arial" panose="020B0604020202020204" pitchFamily="34" charset="0"/>
-            </a:endParaRPr>
-          </a:p>
-        </p:txBody>
-      </p:sp>
       <p:pic>
         <p:nvPicPr>
-          <p:cNvPr id="16" name="Picture 15" descr="Chart, scatter chart&#10;&#10;Description automatically generated">
-            <a:extLst>
-              <a:ext uri="{FF2B5EF4-FFF2-40B4-BE49-F238E27FC236}">
-                <a16:creationId xmlns:a16="http://schemas.microsoft.com/office/drawing/2014/main" id="{FA768CBE-0E0C-41BB-8F6B-F7E3F1DE8C15}"/>
+          <p:cNvPr id="18" name="Picture 17" descr="Map&#10;&#10;Description automatically generated">
+            <a:extLst>
+              <a:ext uri="{FF2B5EF4-FFF2-40B4-BE49-F238E27FC236}">
+                <a16:creationId xmlns:a16="http://schemas.microsoft.com/office/drawing/2014/main" id="{53FE7EB0-E810-4F40-9485-CBACF6130728}"/>
               </a:ext>
             </a:extLst>
           </p:cNvPr>
@@ -21261,46 +21069,109 @@
         </p:nvPicPr>
         <p:blipFill rotWithShape="1">
           <a:blip r:embed="rId2"/>
-          <a:srcRect r="8069"/>
+          <a:srcRect l="18919" r="11044" b="2962"/>
           <a:stretch/>
         </p:blipFill>
         <p:spPr>
           <a:xfrm>
-            <a:off x="7306445" y="1726197"/>
-            <a:ext cx="4850298" cy="3911451"/>
+            <a:off x="254383" y="1427803"/>
+            <a:ext cx="7147312" cy="4002394"/>
           </a:xfrm>
           <a:prstGeom prst="rect">
             <a:avLst/>
           </a:prstGeom>
         </p:spPr>
       </p:pic>
+      <p:sp>
+        <p:nvSpPr>
+          <p:cNvPr id="2" name="AutoShape 2">
+            <a:extLst>
+              <a:ext uri="{FF2B5EF4-FFF2-40B4-BE49-F238E27FC236}">
+                <a16:creationId xmlns:a16="http://schemas.microsoft.com/office/drawing/2014/main" id="{18EC16CA-0B3D-422C-981B-470AEB430D4D}"/>
+              </a:ext>
+            </a:extLst>
+          </p:cNvPr>
+          <p:cNvSpPr>
+            <a:spLocks noChangeAspect="1" noChangeArrowheads="1"/>
+          </p:cNvSpPr>
+          <p:nvPr/>
+        </p:nvSpPr>
+        <p:spPr bwMode="auto">
+          <a:xfrm>
+            <a:off x="5943600" y="3276600"/>
+            <a:ext cx="304800" cy="304800"/>
+          </a:xfrm>
+          <a:prstGeom prst="rect">
+            <a:avLst/>
+          </a:prstGeom>
+          <a:noFill/>
+          <a:extLst>
+            <a:ext uri="{909E8E84-426E-40DD-AFC4-6F175D3DCCD1}">
+              <a14:hiddenFill xmlns:a14="http://schemas.microsoft.com/office/drawing/2010/main">
+                <a:solidFill>
+                  <a:srgbClr val="FFFFFF"/>
+                </a:solidFill>
+              </a14:hiddenFill>
+            </a:ext>
+          </a:extLst>
+        </p:spPr>
+        <p:txBody>
+          <a:bodyPr vert="horz" wrap="square" lIns="91440" tIns="45720" rIns="91440" bIns="45720" numCol="1" anchor="t" anchorCtr="0" compatLnSpc="1">
+            <a:prstTxWarp prst="textNoShape">
+              <a:avLst/>
+            </a:prstTxWarp>
+          </a:bodyPr>
+          <a:lstStyle/>
+          <a:p>
+            <a:endParaRPr lang="en-US"/>
+          </a:p>
+        </p:txBody>
+      </p:sp>
       <p:pic>
         <p:nvPicPr>
-          <p:cNvPr id="18" name="Picture 17" descr="Map&#10;&#10;Description automatically generated">
-            <a:extLst>
-              <a:ext uri="{FF2B5EF4-FFF2-40B4-BE49-F238E27FC236}">
-                <a16:creationId xmlns:a16="http://schemas.microsoft.com/office/drawing/2014/main" id="{53FE7EB0-E810-4F40-9485-CBACF6130728}"/>
+          <p:cNvPr id="1028" name="Picture 4">
+            <a:extLst>
+              <a:ext uri="{FF2B5EF4-FFF2-40B4-BE49-F238E27FC236}">
+                <a16:creationId xmlns:a16="http://schemas.microsoft.com/office/drawing/2014/main" id="{7E1EFECF-D0BD-4ECA-B946-6D682CAF6D38}"/>
               </a:ext>
             </a:extLst>
           </p:cNvPr>
           <p:cNvPicPr>
-            <a:picLocks noChangeAspect="1"/>
+            <a:picLocks noChangeAspect="1" noChangeArrowheads="1"/>
           </p:cNvPicPr>
           <p:nvPr/>
         </p:nvPicPr>
-        <p:blipFill rotWithShape="1">
-          <a:blip r:embed="rId3"/>
-          <a:srcRect l="18919" r="11044" b="2962"/>
-          <a:stretch/>
+        <p:blipFill>
+          <a:blip r:embed="rId3">
+            <a:extLst>
+              <a:ext uri="{28A0092B-C50C-407E-A947-70E740481C1C}">
+                <a14:useLocalDpi xmlns:a14="http://schemas.microsoft.com/office/drawing/2010/main" val="0"/>
+              </a:ext>
+            </a:extLst>
+          </a:blip>
+          <a:srcRect/>
+          <a:stretch>
+            <a:fillRect/>
+          </a:stretch>
         </p:blipFill>
-        <p:spPr>
-          <a:xfrm>
-            <a:off x="159133" y="2060475"/>
-            <a:ext cx="7147312" cy="4002394"/>
+        <p:spPr bwMode="auto">
+          <a:xfrm>
+            <a:off x="7260913" y="1782540"/>
+            <a:ext cx="4931087" cy="3757613"/>
           </a:xfrm>
           <a:prstGeom prst="rect">
             <a:avLst/>
           </a:prstGeom>
+          <a:noFill/>
+          <a:extLst>
+            <a:ext uri="{909E8E84-426E-40DD-AFC4-6F175D3DCCD1}">
+              <a14:hiddenFill xmlns:a14="http://schemas.microsoft.com/office/drawing/2010/main">
+                <a:solidFill>
+                  <a:srgbClr val="FFFFFF"/>
+                </a:solidFill>
+              </a14:hiddenFill>
+            </a:ext>
+          </a:extLst>
         </p:spPr>
       </p:pic>
     </p:spTree>
@@ -21317,7 +21188,7 @@
 </file>
 
 <file path=ppt/slides/slide11.xml><?xml version="1.0" encoding="utf-8"?>
-<p:sld xmlns:a="http://schemas.openxmlformats.org/drawingml/2006/main" xmlns:r="http://schemas.openxmlformats.org/officeDocument/2006/relationships" xmlns:p="http://schemas.openxmlformats.org/presentationml/2006/main" showMasterSp="0">
+<p:sld xmlns:a="http://schemas.openxmlformats.org/drawingml/2006/main" xmlns:r="http://schemas.openxmlformats.org/officeDocument/2006/relationships" xmlns:p="http://schemas.openxmlformats.org/presentationml/2006/main">
   <p:cSld>
     <p:spTree>
       <p:nvGrpSpPr>
@@ -21335,161 +21206,10 @@
       </p:grpSpPr>
       <p:sp>
         <p:nvSpPr>
-          <p:cNvPr id="14" name="Picture Placeholder 13">
-            <a:extLst>
-              <a:ext uri="{FF2B5EF4-FFF2-40B4-BE49-F238E27FC236}">
-                <a16:creationId xmlns:a16="http://schemas.microsoft.com/office/drawing/2014/main" id="{71320349-AA4F-4998-9EF0-A626BFC4144D}"/>
-              </a:ext>
-            </a:extLst>
-          </p:cNvPr>
-          <p:cNvSpPr>
-            <a:spLocks noGrp="1"/>
-          </p:cNvSpPr>
-          <p:nvPr>
-            <p:ph type="pic" sz="quarter" idx="10"/>
-          </p:nvPr>
-        </p:nvSpPr>
-        <p:spPr>
-          <a:xfrm>
-            <a:off x="0" y="-7883"/>
-            <a:ext cx="5792996" cy="6858000"/>
-          </a:xfrm>
-        </p:spPr>
-      </p:sp>
-      <p:sp>
-        <p:nvSpPr>
-          <p:cNvPr id="8" name="Title 21">
-            <a:extLst>
-              <a:ext uri="{FF2B5EF4-FFF2-40B4-BE49-F238E27FC236}">
-                <a16:creationId xmlns:a16="http://schemas.microsoft.com/office/drawing/2014/main" id="{064F4C3A-6A66-4236-A225-139E7DF93DD0}"/>
-              </a:ext>
-            </a:extLst>
-          </p:cNvPr>
-          <p:cNvSpPr>
-            <a:spLocks noGrp="1"/>
-          </p:cNvSpPr>
-          <p:nvPr>
-            <p:ph type="ctrTitle"/>
-          </p:nvPr>
-        </p:nvSpPr>
-        <p:spPr>
-          <a:xfrm>
-            <a:off x="534184" y="902247"/>
-            <a:ext cx="5142716" cy="1578085"/>
-          </a:xfrm>
-        </p:spPr>
-        <p:txBody>
-          <a:bodyPr>
-            <a:noAutofit/>
-          </a:bodyPr>
-          <a:lstStyle/>
-          <a:p>
-            <a:pPr marR="0" lvl="0" algn="l" defTabSz="914400" rtl="0" eaLnBrk="1" fontAlgn="auto" latinLnBrk="0" hangingPunct="1">
-              <a:lnSpc>
-                <a:spcPct val="100000"/>
-              </a:lnSpc>
-              <a:spcBef>
-                <a:spcPts val="0"/>
-              </a:spcBef>
-              <a:buClrTx/>
-              <a:buSzTx/>
-              <a:tabLst/>
-              <a:defRPr/>
-            </a:pPr>
-            <a:r>
-              <a:rPr kumimoji="0" lang="en-US" sz="2400" b="1" i="0" u="none" strike="noStrike" kern="1200" cap="none" spc="0" normalizeH="0" baseline="0" noProof="0" dirty="0">
-                <a:ln>
-                  <a:noFill/>
-                </a:ln>
-                <a:solidFill>
-                  <a:schemeClr val="bg1"/>
-                </a:solidFill>
-                <a:effectLst/>
-                <a:uLnTx/>
-                <a:uFillTx/>
-                <a:latin typeface="Sagona ExtraLight" panose="02020303050505020204" pitchFamily="18" charset="0"/>
-                <a:ea typeface="+mn-ea"/>
-                <a:cs typeface="+mn-cs"/>
-              </a:rPr>
-              <a:t>Is there a correlation between population density and the following types of crimes?</a:t>
-            </a:r>
-            <a:endParaRPr lang="en-US" sz="1600" dirty="0">
-              <a:solidFill>
-                <a:schemeClr val="bg1"/>
-              </a:solidFill>
-            </a:endParaRPr>
-          </a:p>
-        </p:txBody>
-      </p:sp>
-      <p:sp>
-        <p:nvSpPr>
           <p:cNvPr id="10" name="Text Placeholder 16">
             <a:extLst>
               <a:ext uri="{FF2B5EF4-FFF2-40B4-BE49-F238E27FC236}">
-                <a16:creationId xmlns:a16="http://schemas.microsoft.com/office/drawing/2014/main" id="{E496B45D-DB36-4481-AD4D-3EE797D29ED3}"/>
-              </a:ext>
-            </a:extLst>
-          </p:cNvPr>
-          <p:cNvSpPr>
-            <a:spLocks noGrp="1"/>
-          </p:cNvSpPr>
-          <p:nvPr>
-            <p:ph type="body" sz="quarter" idx="14"/>
-          </p:nvPr>
-        </p:nvSpPr>
-        <p:spPr>
-          <a:xfrm>
-            <a:off x="324633" y="284765"/>
-            <a:ext cx="4609683" cy="466349"/>
-          </a:xfrm>
-        </p:spPr>
-        <p:txBody>
-          <a:bodyPr>
-            <a:normAutofit/>
-          </a:bodyPr>
-          <a:lstStyle/>
-          <a:p>
-            <a:pPr lvl="0" algn="l"/>
-            <a:r>
-              <a:rPr kumimoji="0" lang="en-US" sz="2000" b="1" i="1" u="none" strike="noStrike" kern="1200" cap="none" spc="0" normalizeH="0" baseline="0" noProof="0" dirty="0">
-                <a:ln>
-                  <a:noFill/>
-                </a:ln>
-                <a:solidFill>
-                  <a:schemeClr val="bg1"/>
-                </a:solidFill>
-                <a:effectLst/>
-                <a:uLnTx/>
-                <a:uFillTx/>
-                <a:latin typeface="Sagona ExtraLight" panose="02020303050505020204" pitchFamily="18" charset="0"/>
-                <a:ea typeface="+mn-ea"/>
-                <a:cs typeface="+mn-cs"/>
-              </a:rPr>
-              <a:t>Research question #</a:t>
-            </a:r>
-            <a:r>
-              <a:rPr lang="en-US" sz="2000" i="1" cap="none" spc="0" dirty="0">
-                <a:solidFill>
-                  <a:schemeClr val="bg1"/>
-                </a:solidFill>
-                <a:latin typeface="Sagona ExtraLight" panose="02020303050505020204" pitchFamily="18" charset="0"/>
-              </a:rPr>
-              <a:t>2</a:t>
-            </a:r>
-            <a:endParaRPr lang="en-US" sz="2000" dirty="0">
-              <a:solidFill>
-                <a:schemeClr val="bg1"/>
-              </a:solidFill>
-            </a:endParaRPr>
-          </a:p>
-        </p:txBody>
-      </p:sp>
-      <p:sp>
-        <p:nvSpPr>
-          <p:cNvPr id="6" name="Text Placeholder 16">
-            <a:extLst>
-              <a:ext uri="{FF2B5EF4-FFF2-40B4-BE49-F238E27FC236}">
-                <a16:creationId xmlns:a16="http://schemas.microsoft.com/office/drawing/2014/main" id="{CA987471-D622-4AA6-B869-09CE7947EF82}"/>
+                <a16:creationId xmlns:a16="http://schemas.microsoft.com/office/drawing/2014/main" id="{7E9E5216-4CB4-4F13-9F51-049DD5D43E2F}"/>
               </a:ext>
             </a:extLst>
           </p:cNvPr>
@@ -21500,19 +21220,19 @@
         </p:nvSpPr>
         <p:spPr>
           <a:xfrm>
-            <a:off x="726975" y="2845242"/>
-            <a:ext cx="4538840" cy="1958835"/>
+            <a:off x="395363" y="146243"/>
+            <a:ext cx="4672156" cy="426432"/>
           </a:xfrm>
           <a:prstGeom prst="rect">
             <a:avLst/>
           </a:prstGeom>
         </p:spPr>
         <p:txBody>
-          <a:bodyPr vert="horz" lIns="0" tIns="45720" rIns="0" bIns="45720" rtlCol="0">
+          <a:bodyPr vert="horz" lIns="91440" tIns="45720" rIns="91440" bIns="45720" rtlCol="0" anchor="b">
             <a:normAutofit/>
           </a:bodyPr>
           <a:lstStyle>
-            <a:lvl1pPr marL="0" indent="0" algn="r" defTabSz="914400" rtl="0" eaLnBrk="1" latinLnBrk="0" hangingPunct="1">
+            <a:lvl1pPr marL="0" indent="0" algn="l" defTabSz="914400" rtl="0" eaLnBrk="1" latinLnBrk="0" hangingPunct="1">
               <a:lnSpc>
                 <a:spcPct val="90000"/>
               </a:lnSpc>
@@ -21521,7 +21241,7 @@
               </a:spcBef>
               <a:buFont typeface="Arial" panose="020B0604020202020204" pitchFamily="34" charset="0"/>
               <a:buNone/>
-              <a:defRPr sz="1800" b="1" i="0" kern="1200" cap="all" spc="300" baseline="0">
+              <a:defRPr sz="2800" b="1" kern="1200">
                 <a:solidFill>
                   <a:schemeClr val="tx1"/>
                 </a:solidFill>
@@ -21539,11 +21259,9 @@
               </a:spcBef>
               <a:buFont typeface="Arial" panose="020B0604020202020204" pitchFamily="34" charset="0"/>
               <a:buNone/>
-              <a:defRPr sz="2000" kern="1200">
-                <a:solidFill>
-                  <a:schemeClr val="tx1">
-                    <a:tint val="75000"/>
-                  </a:schemeClr>
+              <a:defRPr sz="2000" b="1" kern="1200">
+                <a:solidFill>
+                  <a:schemeClr val="tx1"/>
                 </a:solidFill>
                 <a:latin typeface="+mn-lt"/>
                 <a:ea typeface="+mn-ea"/>
@@ -21559,11 +21277,9 @@
               </a:spcBef>
               <a:buFont typeface="Arial" panose="020B0604020202020204" pitchFamily="34" charset="0"/>
               <a:buNone/>
-              <a:defRPr sz="1800" kern="1200">
-                <a:solidFill>
-                  <a:schemeClr val="tx1">
-                    <a:tint val="75000"/>
-                  </a:schemeClr>
+              <a:defRPr sz="1800" b="1" kern="1200">
+                <a:solidFill>
+                  <a:schemeClr val="tx1"/>
                 </a:solidFill>
                 <a:latin typeface="+mn-lt"/>
                 <a:ea typeface="+mn-ea"/>
@@ -21579,11 +21295,9 @@
               </a:spcBef>
               <a:buFont typeface="Arial" panose="020B0604020202020204" pitchFamily="34" charset="0"/>
               <a:buNone/>
-              <a:defRPr sz="1600" kern="1200">
-                <a:solidFill>
-                  <a:schemeClr val="tx1">
-                    <a:tint val="75000"/>
-                  </a:schemeClr>
+              <a:defRPr sz="1600" b="1" kern="1200">
+                <a:solidFill>
+                  <a:schemeClr val="tx1"/>
                 </a:solidFill>
                 <a:latin typeface="+mn-lt"/>
                 <a:ea typeface="+mn-ea"/>
@@ -21599,11 +21313,9 @@
               </a:spcBef>
               <a:buFont typeface="Arial" panose="020B0604020202020204" pitchFamily="34" charset="0"/>
               <a:buNone/>
-              <a:defRPr sz="1600" kern="1200">
-                <a:solidFill>
-                  <a:schemeClr val="tx1">
-                    <a:tint val="75000"/>
-                  </a:schemeClr>
+              <a:defRPr sz="1600" b="1" kern="1200">
+                <a:solidFill>
+                  <a:schemeClr val="tx1"/>
                 </a:solidFill>
                 <a:latin typeface="+mn-lt"/>
                 <a:ea typeface="+mn-ea"/>
@@ -21619,11 +21331,9 @@
               </a:spcBef>
               <a:buFont typeface="Arial" panose="020B0604020202020204" pitchFamily="34" charset="0"/>
               <a:buNone/>
-              <a:defRPr sz="1600" kern="1200">
-                <a:solidFill>
-                  <a:schemeClr val="tx1">
-                    <a:tint val="75000"/>
-                  </a:schemeClr>
+              <a:defRPr sz="1600" b="1" kern="1200">
+                <a:solidFill>
+                  <a:schemeClr val="tx1"/>
                 </a:solidFill>
                 <a:latin typeface="+mn-lt"/>
                 <a:ea typeface="+mn-ea"/>
@@ -21639,11 +21349,9 @@
               </a:spcBef>
               <a:buFont typeface="Arial" panose="020B0604020202020204" pitchFamily="34" charset="0"/>
               <a:buNone/>
-              <a:defRPr sz="1600" kern="1200">
-                <a:solidFill>
-                  <a:schemeClr val="tx1">
-                    <a:tint val="75000"/>
-                  </a:schemeClr>
+              <a:defRPr sz="1600" b="1" kern="1200">
+                <a:solidFill>
+                  <a:schemeClr val="tx1"/>
                 </a:solidFill>
                 <a:latin typeface="+mn-lt"/>
                 <a:ea typeface="+mn-ea"/>
@@ -21659,11 +21367,9 @@
               </a:spcBef>
               <a:buFont typeface="Arial" panose="020B0604020202020204" pitchFamily="34" charset="0"/>
               <a:buNone/>
-              <a:defRPr sz="1600" kern="1200">
-                <a:solidFill>
-                  <a:schemeClr val="tx1">
-                    <a:tint val="75000"/>
-                  </a:schemeClr>
+              <a:defRPr sz="1600" b="1" kern="1200">
+                <a:solidFill>
+                  <a:schemeClr val="tx1"/>
                 </a:solidFill>
                 <a:latin typeface="+mn-lt"/>
                 <a:ea typeface="+mn-ea"/>
@@ -21679,11 +21385,9 @@
               </a:spcBef>
               <a:buFont typeface="Arial" panose="020B0604020202020204" pitchFamily="34" charset="0"/>
               <a:buNone/>
-              <a:defRPr sz="1600" kern="1200">
-                <a:solidFill>
-                  <a:schemeClr val="tx1">
-                    <a:tint val="75000"/>
-                  </a:schemeClr>
+              <a:defRPr sz="1600" b="1" kern="1200">
+                <a:solidFill>
+                  <a:schemeClr val="tx1"/>
                 </a:solidFill>
                 <a:latin typeface="+mn-lt"/>
                 <a:ea typeface="+mn-ea"/>
@@ -21692,173 +21396,22 @@
             </a:lvl9pPr>
           </a:lstStyle>
           <a:p>
-            <a:pPr marL="342900" indent="-342900" algn="l">
-              <a:lnSpc>
-                <a:spcPct val="100000"/>
-              </a:lnSpc>
-              <a:spcBef>
-                <a:spcPts val="0"/>
-              </a:spcBef>
-              <a:buFont typeface="Arial" panose="020B0604020202020204" pitchFamily="34" charset="0"/>
-              <a:buChar char="•"/>
-            </a:pPr>
-            <a:r>
-              <a:rPr kumimoji="0" lang="en-US" sz="2000" b="1" i="0" u="none" strike="noStrike" kern="1200" cap="none" spc="0" normalizeH="0" baseline="0" noProof="0" dirty="0">
-                <a:ln>
-                  <a:noFill/>
-                </a:ln>
-                <a:solidFill>
-                  <a:schemeClr val="bg1"/>
-                </a:solidFill>
-                <a:effectLst/>
-                <a:uLnTx/>
-                <a:uFillTx/>
+            <a:r>
+              <a:rPr lang="en-US" sz="2000" i="1" dirty="0">
                 <a:latin typeface="Sagona ExtraLight" panose="02020303050505020204" pitchFamily="18" charset="0"/>
-                <a:ea typeface="+mn-ea"/>
-                <a:cs typeface="+mn-cs"/>
               </a:rPr>
-              <a:t>Murder </a:t>
-            </a:r>
-          </a:p>
-          <a:p>
-            <a:pPr marL="342900" indent="-342900" algn="l">
-              <a:lnSpc>
-                <a:spcPct val="100000"/>
-              </a:lnSpc>
-              <a:spcBef>
-                <a:spcPts val="0"/>
-              </a:spcBef>
-              <a:buFont typeface="Arial" panose="020B0604020202020204" pitchFamily="34" charset="0"/>
-              <a:buChar char="•"/>
-            </a:pPr>
-            <a:r>
-              <a:rPr kumimoji="0" lang="en-US" sz="2000" b="1" i="0" u="none" strike="noStrike" kern="1200" cap="none" spc="0" normalizeH="0" baseline="0" noProof="0" dirty="0">
-                <a:ln>
-                  <a:noFill/>
-                </a:ln>
-                <a:solidFill>
-                  <a:schemeClr val="bg1"/>
-                </a:solidFill>
-                <a:effectLst/>
-                <a:uLnTx/>
-                <a:uFillTx/>
-                <a:latin typeface="Sagona ExtraLight" panose="02020303050505020204" pitchFamily="18" charset="0"/>
-                <a:ea typeface="+mn-ea"/>
-                <a:cs typeface="+mn-cs"/>
-              </a:rPr>
-              <a:t>Violent crime </a:t>
-            </a:r>
-          </a:p>
-          <a:p>
-            <a:pPr marL="342900" indent="-342900" algn="l">
-              <a:lnSpc>
-                <a:spcPct val="100000"/>
-              </a:lnSpc>
-              <a:spcBef>
-                <a:spcPts val="0"/>
-              </a:spcBef>
-              <a:buFont typeface="Arial" panose="020B0604020202020204" pitchFamily="34" charset="0"/>
-              <a:buChar char="•"/>
-            </a:pPr>
-            <a:r>
-              <a:rPr kumimoji="0" lang="en-US" sz="2000" b="1" i="0" u="none" strike="noStrike" kern="1200" cap="none" spc="0" normalizeH="0" baseline="0" noProof="0" dirty="0">
-                <a:ln>
-                  <a:noFill/>
-                </a:ln>
-                <a:solidFill>
-                  <a:schemeClr val="bg1"/>
-                </a:solidFill>
-                <a:effectLst/>
-                <a:uLnTx/>
-                <a:uFillTx/>
-                <a:latin typeface="Sagona ExtraLight" panose="02020303050505020204" pitchFamily="18" charset="0"/>
-                <a:ea typeface="+mn-ea"/>
-                <a:cs typeface="+mn-cs"/>
-              </a:rPr>
-              <a:t>Domestic violence</a:t>
-            </a:r>
-          </a:p>
-          <a:p>
-            <a:pPr marL="342900" indent="-342900" algn="l">
-              <a:lnSpc>
-                <a:spcPct val="100000"/>
-              </a:lnSpc>
-              <a:spcBef>
-                <a:spcPts val="0"/>
-              </a:spcBef>
-              <a:buFont typeface="Arial" panose="020B0604020202020204" pitchFamily="34" charset="0"/>
-              <a:buChar char="•"/>
-            </a:pPr>
-            <a:r>
-              <a:rPr kumimoji="0" lang="en-US" sz="2000" b="1" i="0" u="none" strike="noStrike" kern="1200" cap="none" spc="0" normalizeH="0" baseline="0" noProof="0" dirty="0">
-                <a:ln>
-                  <a:noFill/>
-                </a:ln>
-                <a:solidFill>
-                  <a:schemeClr val="bg1"/>
-                </a:solidFill>
-                <a:effectLst/>
-                <a:uLnTx/>
-                <a:uFillTx/>
-                <a:latin typeface="Sagona ExtraLight" panose="02020303050505020204" pitchFamily="18" charset="0"/>
-                <a:ea typeface="+mn-ea"/>
-                <a:cs typeface="+mn-cs"/>
-              </a:rPr>
-              <a:t>Statutory offenses</a:t>
-            </a:r>
-          </a:p>
-          <a:p>
-            <a:pPr marL="342900" indent="-342900" algn="l">
-              <a:lnSpc>
-                <a:spcPct val="100000"/>
-              </a:lnSpc>
-              <a:spcBef>
-                <a:spcPts val="0"/>
-              </a:spcBef>
-              <a:buFont typeface="Arial" panose="020B0604020202020204" pitchFamily="34" charset="0"/>
-              <a:buChar char="•"/>
-            </a:pPr>
-            <a:r>
-              <a:rPr kumimoji="0" lang="en-US" sz="2000" b="1" i="0" u="none" strike="noStrike" kern="1200" cap="none" spc="0" normalizeH="0" baseline="0" noProof="0" dirty="0">
-                <a:ln>
-                  <a:noFill/>
-                </a:ln>
-                <a:solidFill>
-                  <a:schemeClr val="bg1"/>
-                </a:solidFill>
-                <a:effectLst/>
-                <a:uLnTx/>
-                <a:uFillTx/>
-                <a:latin typeface="Sagona ExtraLight" panose="02020303050505020204" pitchFamily="18" charset="0"/>
-                <a:ea typeface="+mn-ea"/>
-                <a:cs typeface="+mn-cs"/>
-              </a:rPr>
-              <a:t>Burglary</a:t>
-            </a:r>
-          </a:p>
-          <a:p>
-            <a:pPr algn="l">
-              <a:lnSpc>
-                <a:spcPct val="100000"/>
-              </a:lnSpc>
-              <a:spcBef>
-                <a:spcPts val="0"/>
-              </a:spcBef>
-            </a:pPr>
-            <a:endParaRPr lang="en-US" sz="2000" dirty="0">
-              <a:solidFill>
-                <a:schemeClr val="bg1"/>
-              </a:solidFill>
-            </a:endParaRPr>
+              <a:t>Research question #1</a:t>
+            </a:r>
+            <a:endParaRPr lang="en-US" sz="2000" dirty="0"/>
           </a:p>
         </p:txBody>
       </p:sp>
       <p:pic>
         <p:nvPicPr>
-          <p:cNvPr id="12" name="Picture 11">
-            <a:extLst>
-              <a:ext uri="{FF2B5EF4-FFF2-40B4-BE49-F238E27FC236}">
-                <a16:creationId xmlns:a16="http://schemas.microsoft.com/office/drawing/2014/main" id="{63E38483-2C44-47E3-8294-D8011FF6664E}"/>
+          <p:cNvPr id="8" name="Picture 7" descr="Chart, pie chart&#10;&#10;Description automatically generated">
+            <a:extLst>
+              <a:ext uri="{FF2B5EF4-FFF2-40B4-BE49-F238E27FC236}">
+                <a16:creationId xmlns:a16="http://schemas.microsoft.com/office/drawing/2014/main" id="{B4ADE431-E599-4BC9-985F-AADF4BC2AA92}"/>
               </a:ext>
             </a:extLst>
           </p:cNvPr>
@@ -21875,162 +21428,86 @@
         </p:blipFill>
         <p:spPr>
           <a:xfrm>
-            <a:off x="6096000" y="561975"/>
-            <a:ext cx="4909266" cy="1847850"/>
+            <a:off x="3143660" y="1437767"/>
+            <a:ext cx="5671636" cy="5420234"/>
           </a:xfrm>
           <a:prstGeom prst="rect">
             <a:avLst/>
           </a:prstGeom>
         </p:spPr>
       </p:pic>
-      <p:pic>
-        <p:nvPicPr>
-          <p:cNvPr id="15" name="Picture 14" descr="Chart, scatter chart&#10;&#10;Description automatically generated">
-            <a:extLst>
-              <a:ext uri="{FF2B5EF4-FFF2-40B4-BE49-F238E27FC236}">
-                <a16:creationId xmlns:a16="http://schemas.microsoft.com/office/drawing/2014/main" id="{9ACD3221-16A2-4AC3-94D9-C09F198BD668}"/>
-              </a:ext>
-            </a:extLst>
-          </p:cNvPr>
-          <p:cNvPicPr>
-            <a:picLocks noChangeAspect="1"/>
-          </p:cNvPicPr>
-          <p:nvPr/>
-        </p:nvPicPr>
-        <p:blipFill>
-          <a:blip r:embed="rId3"/>
-          <a:stretch>
-            <a:fillRect/>
-          </a:stretch>
-        </p:blipFill>
-        <p:spPr>
-          <a:xfrm>
-            <a:off x="6211084" y="1375078"/>
-            <a:ext cx="5596214" cy="3428999"/>
-          </a:xfrm>
-          <a:prstGeom prst="rect">
-            <a:avLst/>
-          </a:prstGeom>
-        </p:spPr>
-      </p:pic>
-      <p:sp>
-        <p:nvSpPr>
-          <p:cNvPr id="16" name="Rectangle 1">
-            <a:extLst>
-              <a:ext uri="{FF2B5EF4-FFF2-40B4-BE49-F238E27FC236}">
-                <a16:creationId xmlns:a16="http://schemas.microsoft.com/office/drawing/2014/main" id="{1456B947-77B3-454B-AD63-F972B421E4EF}"/>
+      <p:sp>
+        <p:nvSpPr>
+          <p:cNvPr id="7" name="Title 21">
+            <a:extLst>
+              <a:ext uri="{FF2B5EF4-FFF2-40B4-BE49-F238E27FC236}">
+                <a16:creationId xmlns:a16="http://schemas.microsoft.com/office/drawing/2014/main" id="{FB29787C-57F0-4218-AB3A-456D9585661F}"/>
               </a:ext>
             </a:extLst>
           </p:cNvPr>
           <p:cNvSpPr>
-            <a:spLocks noChangeArrowheads="1"/>
+            <a:spLocks noGrp="1"/>
           </p:cNvSpPr>
-          <p:nvPr/>
-        </p:nvSpPr>
-        <p:spPr bwMode="auto">
-          <a:xfrm flipH="1">
-            <a:off x="7550622" y="5617180"/>
-            <a:ext cx="2917137" cy="153888"/>
-          </a:xfrm>
-          <a:prstGeom prst="rect">
-            <a:avLst/>
-          </a:prstGeom>
-          <a:solidFill>
-            <a:srgbClr val="FFFFFF"/>
-          </a:solidFill>
-          <a:ln>
-            <a:noFill/>
-          </a:ln>
-          <a:effectLst/>
-          <a:extLst>
-            <a:ext uri="{91240B29-F687-4F45-9708-019B960494DF}">
-              <a14:hiddenLine xmlns:a14="http://schemas.microsoft.com/office/drawing/2010/main" w="9525">
-                <a:solidFill>
-                  <a:schemeClr val="tx1"/>
-                </a:solidFill>
-                <a:miter lim="800000"/>
-                <a:headEnd/>
-                <a:tailEnd/>
-              </a14:hiddenLine>
-            </a:ext>
-            <a:ext uri="{AF507438-7753-43E0-B8FC-AC1667EBCBE1}">
-              <a14:hiddenEffects xmlns:a14="http://schemas.microsoft.com/office/drawing/2010/main">
-                <a:effectLst>
-                  <a:outerShdw dist="35921" dir="2700000" algn="ctr" rotWithShape="0">
-                    <a:schemeClr val="bg2"/>
-                  </a:outerShdw>
-                </a:effectLst>
-              </a14:hiddenEffects>
-            </a:ext>
-          </a:extLst>
-        </p:spPr>
-        <p:txBody>
-          <a:bodyPr vert="horz" wrap="square" lIns="0" tIns="0" rIns="0" bIns="0" numCol="1" anchor="ctr" anchorCtr="0" compatLnSpc="1">
-            <a:prstTxWarp prst="textNoShape">
-              <a:avLst/>
-            </a:prstTxWarp>
-            <a:spAutoFit/>
+          <p:nvPr>
+            <p:ph type="ctrTitle"/>
+          </p:nvPr>
+        </p:nvSpPr>
+        <p:spPr>
+          <a:xfrm>
+            <a:off x="395363" y="753109"/>
+            <a:ext cx="10693180" cy="504224"/>
+          </a:xfrm>
+        </p:spPr>
+        <p:txBody>
+          <a:bodyPr>
+            <a:noAutofit/>
           </a:bodyPr>
           <a:lstStyle/>
           <a:p>
-            <a:pPr marL="0" marR="0" lvl="0" indent="0" algn="l" defTabSz="914400" rtl="0" eaLnBrk="0" fontAlgn="base" latinLnBrk="0" hangingPunct="0">
+            <a:pPr marL="0" marR="0" lvl="0" indent="0" algn="l" defTabSz="914400" rtl="0" eaLnBrk="1" fontAlgn="auto" latinLnBrk="0" hangingPunct="1">
               <a:lnSpc>
                 <a:spcPct val="100000"/>
               </a:lnSpc>
               <a:spcBef>
-                <a:spcPct val="0"/>
+                <a:spcPts val="0"/>
               </a:spcBef>
               <a:spcAft>
-                <a:spcPct val="0"/>
+                <a:spcPts val="600"/>
               </a:spcAft>
               <a:buClrTx/>
               <a:buSzTx/>
-              <a:buFontTx/>
+              <a:buFont typeface="Arial" panose="020B0604020202020204" pitchFamily="34" charset="0"/>
               <a:buNone/>
               <a:tabLst/>
+              <a:defRPr/>
             </a:pPr>
             <a:r>
-              <a:rPr kumimoji="0" lang="en-US" altLang="en-US" sz="1000" b="0" i="0" u="none" strike="noStrike" cap="none" normalizeH="0" baseline="0" dirty="0">
+              <a:rPr kumimoji="0" lang="en-US" sz="2400" b="1" i="0" u="none" strike="noStrike" kern="1200" cap="none" spc="0" normalizeH="0" baseline="0" noProof="0" dirty="0">
                 <a:ln>
                   <a:noFill/>
                 </a:ln>
                 <a:solidFill>
-                  <a:srgbClr val="000000"/>
+                  <a:srgbClr val="045FC4">
+                    <a:lumMod val="75000"/>
+                  </a:srgbClr>
                 </a:solidFill>
                 <a:effectLst/>
-                <a:latin typeface="Courier New" panose="02070309020205020404" pitchFamily="49" charset="0"/>
+                <a:uLnTx/>
+                <a:uFillTx/>
+                <a:latin typeface="Sagona ExtraLight" panose="02020303050505020204" pitchFamily="18" charset="0"/>
+                <a:ea typeface="+mn-ea"/>
+                <a:cs typeface="+mn-cs"/>
               </a:rPr>
-              <a:t>The correlation coefficient 0.32</a:t>
-            </a:r>
-            <a:r>
-              <a:rPr kumimoji="0" lang="en-US" altLang="en-US" sz="800" b="0" i="0" u="none" strike="noStrike" cap="none" normalizeH="0" baseline="0" dirty="0">
-                <a:ln>
-                  <a:noFill/>
-                </a:ln>
-                <a:solidFill>
-                  <a:schemeClr val="tx1"/>
-                </a:solidFill>
-                <a:effectLst/>
-              </a:rPr>
-              <a:t> </a:t>
-            </a:r>
-            <a:endParaRPr kumimoji="0" lang="en-US" altLang="en-US" sz="1800" b="0" i="0" u="none" strike="noStrike" cap="none" normalizeH="0" baseline="0" dirty="0">
-              <a:ln>
-                <a:noFill/>
-              </a:ln>
-              <a:solidFill>
-                <a:schemeClr val="tx1"/>
-              </a:solidFill>
-              <a:effectLst/>
-              <a:latin typeface="Arial" panose="020B0604020202020204" pitchFamily="34" charset="0"/>
-            </a:endParaRPr>
+              <a:t>Which types of crimes are most prevalent based on population density? </a:t>
+            </a:r>
+            <a:endParaRPr lang="en-US" sz="1600" dirty="0"/>
           </a:p>
         </p:txBody>
       </p:sp>
     </p:spTree>
     <p:extLst>
       <p:ext uri="{BB962C8B-B14F-4D97-AF65-F5344CB8AC3E}">
-        <p14:creationId xmlns:p14="http://schemas.microsoft.com/office/powerpoint/2010/main" val="1831919984"/>
+        <p14:creationId xmlns:p14="http://schemas.microsoft.com/office/powerpoint/2010/main" val="1069679162"/>
       </p:ext>
     </p:extLst>
   </p:cSld>
@@ -22059,10 +21536,33 @@
       </p:grpSpPr>
       <p:sp>
         <p:nvSpPr>
-          <p:cNvPr id="2" name="Title 1">
-            <a:extLst>
-              <a:ext uri="{FF2B5EF4-FFF2-40B4-BE49-F238E27FC236}">
-                <a16:creationId xmlns:a16="http://schemas.microsoft.com/office/drawing/2014/main" id="{1B70B25A-3907-40AD-A366-322649985DBD}"/>
+          <p:cNvPr id="14" name="Picture Placeholder 13">
+            <a:extLst>
+              <a:ext uri="{FF2B5EF4-FFF2-40B4-BE49-F238E27FC236}">
+                <a16:creationId xmlns:a16="http://schemas.microsoft.com/office/drawing/2014/main" id="{71320349-AA4F-4998-9EF0-A626BFC4144D}"/>
+              </a:ext>
+            </a:extLst>
+          </p:cNvPr>
+          <p:cNvSpPr>
+            <a:spLocks noGrp="1"/>
+          </p:cNvSpPr>
+          <p:nvPr>
+            <p:ph type="pic" sz="quarter" idx="10"/>
+          </p:nvPr>
+        </p:nvSpPr>
+        <p:spPr>
+          <a:xfrm>
+            <a:off x="0" y="-7883"/>
+            <a:ext cx="5792996" cy="6858000"/>
+          </a:xfrm>
+        </p:spPr>
+      </p:sp>
+      <p:sp>
+        <p:nvSpPr>
+          <p:cNvPr id="8" name="Title 21">
+            <a:extLst>
+              <a:ext uri="{FF2B5EF4-FFF2-40B4-BE49-F238E27FC236}">
+                <a16:creationId xmlns:a16="http://schemas.microsoft.com/office/drawing/2014/main" id="{064F4C3A-6A66-4236-A225-139E7DF93DD0}"/>
               </a:ext>
             </a:extLst>
           </p:cNvPr>
@@ -22075,27 +21575,395 @@
         </p:nvSpPr>
         <p:spPr>
           <a:xfrm>
-            <a:off x="739555" y="373917"/>
-            <a:ext cx="10134369" cy="335687"/>
-          </a:xfrm>
-        </p:spPr>
-        <p:txBody>
-          <a:bodyPr/>
+            <a:off x="534184" y="902247"/>
+            <a:ext cx="5142716" cy="1578085"/>
+          </a:xfrm>
+        </p:spPr>
+        <p:txBody>
+          <a:bodyPr>
+            <a:noAutofit/>
+          </a:bodyPr>
           <a:lstStyle/>
           <a:p>
-            <a:r>
-              <a:rPr lang="en-US" sz="3800" dirty="0"/>
-              <a:t>Property Crimes</a:t>
-            </a:r>
+            <a:pPr marR="0" lvl="0" algn="l" defTabSz="914400" rtl="0" eaLnBrk="1" fontAlgn="auto" latinLnBrk="0" hangingPunct="1">
+              <a:lnSpc>
+                <a:spcPct val="100000"/>
+              </a:lnSpc>
+              <a:spcBef>
+                <a:spcPts val="0"/>
+              </a:spcBef>
+              <a:buClrTx/>
+              <a:buSzTx/>
+              <a:tabLst/>
+              <a:defRPr/>
+            </a:pPr>
+            <a:r>
+              <a:rPr kumimoji="0" lang="en-US" sz="2400" b="1" i="0" u="none" strike="noStrike" kern="1200" cap="none" spc="0" normalizeH="0" baseline="0" noProof="0" dirty="0">
+                <a:ln>
+                  <a:noFill/>
+                </a:ln>
+                <a:solidFill>
+                  <a:schemeClr val="bg1"/>
+                </a:solidFill>
+                <a:effectLst/>
+                <a:uLnTx/>
+                <a:uFillTx/>
+                <a:latin typeface="Sagona ExtraLight" panose="02020303050505020204" pitchFamily="18" charset="0"/>
+                <a:ea typeface="+mn-ea"/>
+                <a:cs typeface="+mn-cs"/>
+              </a:rPr>
+              <a:t>Is there a correlation between population density and the following types of crimes?</a:t>
+            </a:r>
+            <a:endParaRPr lang="en-US" sz="1600" dirty="0">
+              <a:solidFill>
+                <a:schemeClr val="bg1"/>
+              </a:solidFill>
+            </a:endParaRPr>
+          </a:p>
+        </p:txBody>
+      </p:sp>
+      <p:sp>
+        <p:nvSpPr>
+          <p:cNvPr id="10" name="Text Placeholder 16">
+            <a:extLst>
+              <a:ext uri="{FF2B5EF4-FFF2-40B4-BE49-F238E27FC236}">
+                <a16:creationId xmlns:a16="http://schemas.microsoft.com/office/drawing/2014/main" id="{E496B45D-DB36-4481-AD4D-3EE797D29ED3}"/>
+              </a:ext>
+            </a:extLst>
+          </p:cNvPr>
+          <p:cNvSpPr>
+            <a:spLocks noGrp="1"/>
+          </p:cNvSpPr>
+          <p:nvPr>
+            <p:ph type="body" sz="quarter" idx="14"/>
+          </p:nvPr>
+        </p:nvSpPr>
+        <p:spPr>
+          <a:xfrm>
+            <a:off x="324633" y="284765"/>
+            <a:ext cx="4609683" cy="466349"/>
+          </a:xfrm>
+        </p:spPr>
+        <p:txBody>
+          <a:bodyPr>
+            <a:normAutofit/>
+          </a:bodyPr>
+          <a:lstStyle/>
+          <a:p>
+            <a:pPr lvl="0" algn="l"/>
+            <a:r>
+              <a:rPr kumimoji="0" lang="en-US" sz="2000" b="1" i="1" u="none" strike="noStrike" kern="1200" cap="none" spc="0" normalizeH="0" baseline="0" noProof="0" dirty="0">
+                <a:ln>
+                  <a:noFill/>
+                </a:ln>
+                <a:solidFill>
+                  <a:schemeClr val="bg1"/>
+                </a:solidFill>
+                <a:effectLst/>
+                <a:uLnTx/>
+                <a:uFillTx/>
+                <a:latin typeface="Sagona ExtraLight" panose="02020303050505020204" pitchFamily="18" charset="0"/>
+                <a:ea typeface="+mn-ea"/>
+                <a:cs typeface="+mn-cs"/>
+              </a:rPr>
+              <a:t>Research question #</a:t>
+            </a:r>
+            <a:r>
+              <a:rPr lang="en-US" sz="2000" i="1" cap="none" spc="0" dirty="0">
+                <a:solidFill>
+                  <a:schemeClr val="bg1"/>
+                </a:solidFill>
+                <a:latin typeface="Sagona ExtraLight" panose="02020303050505020204" pitchFamily="18" charset="0"/>
+              </a:rPr>
+              <a:t>2</a:t>
+            </a:r>
+            <a:endParaRPr lang="en-US" sz="2000" dirty="0">
+              <a:solidFill>
+                <a:schemeClr val="bg1"/>
+              </a:solidFill>
+            </a:endParaRPr>
+          </a:p>
+        </p:txBody>
+      </p:sp>
+      <p:sp>
+        <p:nvSpPr>
+          <p:cNvPr id="6" name="Text Placeholder 16">
+            <a:extLst>
+              <a:ext uri="{FF2B5EF4-FFF2-40B4-BE49-F238E27FC236}">
+                <a16:creationId xmlns:a16="http://schemas.microsoft.com/office/drawing/2014/main" id="{CA987471-D622-4AA6-B869-09CE7947EF82}"/>
+              </a:ext>
+            </a:extLst>
+          </p:cNvPr>
+          <p:cNvSpPr txBox="1">
+            <a:spLocks/>
+          </p:cNvSpPr>
+          <p:nvPr/>
+        </p:nvSpPr>
+        <p:spPr>
+          <a:xfrm>
+            <a:off x="726975" y="2845242"/>
+            <a:ext cx="4538840" cy="1958835"/>
+          </a:xfrm>
+          <a:prstGeom prst="rect">
+            <a:avLst/>
+          </a:prstGeom>
+        </p:spPr>
+        <p:txBody>
+          <a:bodyPr vert="horz" lIns="0" tIns="45720" rIns="0" bIns="45720" rtlCol="0">
+            <a:normAutofit/>
+          </a:bodyPr>
+          <a:lstStyle>
+            <a:lvl1pPr marL="0" indent="0" algn="r" defTabSz="914400" rtl="0" eaLnBrk="1" latinLnBrk="0" hangingPunct="1">
+              <a:lnSpc>
+                <a:spcPct val="90000"/>
+              </a:lnSpc>
+              <a:spcBef>
+                <a:spcPts val="1000"/>
+              </a:spcBef>
+              <a:buFont typeface="Arial" panose="020B0604020202020204" pitchFamily="34" charset="0"/>
+              <a:buNone/>
+              <a:defRPr sz="1800" b="1" i="0" kern="1200" cap="all" spc="300" baseline="0">
+                <a:solidFill>
+                  <a:schemeClr val="tx1"/>
+                </a:solidFill>
+                <a:latin typeface="Speak Pro" panose="020B0504020101020102" pitchFamily="34" charset="0"/>
+                <a:ea typeface="+mn-ea"/>
+                <a:cs typeface="+mn-cs"/>
+              </a:defRPr>
+            </a:lvl1pPr>
+            <a:lvl2pPr marL="457200" indent="0" algn="l" defTabSz="914400" rtl="0" eaLnBrk="1" latinLnBrk="0" hangingPunct="1">
+              <a:lnSpc>
+                <a:spcPct val="90000"/>
+              </a:lnSpc>
+              <a:spcBef>
+                <a:spcPts val="500"/>
+              </a:spcBef>
+              <a:buFont typeface="Arial" panose="020B0604020202020204" pitchFamily="34" charset="0"/>
+              <a:buNone/>
+              <a:defRPr sz="2000" kern="1200">
+                <a:solidFill>
+                  <a:schemeClr val="tx1">
+                    <a:tint val="75000"/>
+                  </a:schemeClr>
+                </a:solidFill>
+                <a:latin typeface="+mn-lt"/>
+                <a:ea typeface="+mn-ea"/>
+                <a:cs typeface="+mn-cs"/>
+              </a:defRPr>
+            </a:lvl2pPr>
+            <a:lvl3pPr marL="914400" indent="0" algn="l" defTabSz="914400" rtl="0" eaLnBrk="1" latinLnBrk="0" hangingPunct="1">
+              <a:lnSpc>
+                <a:spcPct val="90000"/>
+              </a:lnSpc>
+              <a:spcBef>
+                <a:spcPts val="500"/>
+              </a:spcBef>
+              <a:buFont typeface="Arial" panose="020B0604020202020204" pitchFamily="34" charset="0"/>
+              <a:buNone/>
+              <a:defRPr sz="1800" kern="1200">
+                <a:solidFill>
+                  <a:schemeClr val="tx1">
+                    <a:tint val="75000"/>
+                  </a:schemeClr>
+                </a:solidFill>
+                <a:latin typeface="+mn-lt"/>
+                <a:ea typeface="+mn-ea"/>
+                <a:cs typeface="+mn-cs"/>
+              </a:defRPr>
+            </a:lvl3pPr>
+            <a:lvl4pPr marL="1371600" indent="0" algn="l" defTabSz="914400" rtl="0" eaLnBrk="1" latinLnBrk="0" hangingPunct="1">
+              <a:lnSpc>
+                <a:spcPct val="90000"/>
+              </a:lnSpc>
+              <a:spcBef>
+                <a:spcPts val="500"/>
+              </a:spcBef>
+              <a:buFont typeface="Arial" panose="020B0604020202020204" pitchFamily="34" charset="0"/>
+              <a:buNone/>
+              <a:defRPr sz="1600" kern="1200">
+                <a:solidFill>
+                  <a:schemeClr val="tx1">
+                    <a:tint val="75000"/>
+                  </a:schemeClr>
+                </a:solidFill>
+                <a:latin typeface="+mn-lt"/>
+                <a:ea typeface="+mn-ea"/>
+                <a:cs typeface="+mn-cs"/>
+              </a:defRPr>
+            </a:lvl4pPr>
+            <a:lvl5pPr marL="1828800" indent="0" algn="l" defTabSz="914400" rtl="0" eaLnBrk="1" latinLnBrk="0" hangingPunct="1">
+              <a:lnSpc>
+                <a:spcPct val="90000"/>
+              </a:lnSpc>
+              <a:spcBef>
+                <a:spcPts val="500"/>
+              </a:spcBef>
+              <a:buFont typeface="Arial" panose="020B0604020202020204" pitchFamily="34" charset="0"/>
+              <a:buNone/>
+              <a:defRPr sz="1600" kern="1200">
+                <a:solidFill>
+                  <a:schemeClr val="tx1">
+                    <a:tint val="75000"/>
+                  </a:schemeClr>
+                </a:solidFill>
+                <a:latin typeface="+mn-lt"/>
+                <a:ea typeface="+mn-ea"/>
+                <a:cs typeface="+mn-cs"/>
+              </a:defRPr>
+            </a:lvl5pPr>
+            <a:lvl6pPr marL="2286000" indent="0" algn="l" defTabSz="914400" rtl="0" eaLnBrk="1" latinLnBrk="0" hangingPunct="1">
+              <a:lnSpc>
+                <a:spcPct val="90000"/>
+              </a:lnSpc>
+              <a:spcBef>
+                <a:spcPts val="500"/>
+              </a:spcBef>
+              <a:buFont typeface="Arial" panose="020B0604020202020204" pitchFamily="34" charset="0"/>
+              <a:buNone/>
+              <a:defRPr sz="1600" kern="1200">
+                <a:solidFill>
+                  <a:schemeClr val="tx1">
+                    <a:tint val="75000"/>
+                  </a:schemeClr>
+                </a:solidFill>
+                <a:latin typeface="+mn-lt"/>
+                <a:ea typeface="+mn-ea"/>
+                <a:cs typeface="+mn-cs"/>
+              </a:defRPr>
+            </a:lvl6pPr>
+            <a:lvl7pPr marL="2743200" indent="0" algn="l" defTabSz="914400" rtl="0" eaLnBrk="1" latinLnBrk="0" hangingPunct="1">
+              <a:lnSpc>
+                <a:spcPct val="90000"/>
+              </a:lnSpc>
+              <a:spcBef>
+                <a:spcPts val="500"/>
+              </a:spcBef>
+              <a:buFont typeface="Arial" panose="020B0604020202020204" pitchFamily="34" charset="0"/>
+              <a:buNone/>
+              <a:defRPr sz="1600" kern="1200">
+                <a:solidFill>
+                  <a:schemeClr val="tx1">
+                    <a:tint val="75000"/>
+                  </a:schemeClr>
+                </a:solidFill>
+                <a:latin typeface="+mn-lt"/>
+                <a:ea typeface="+mn-ea"/>
+                <a:cs typeface="+mn-cs"/>
+              </a:defRPr>
+            </a:lvl7pPr>
+            <a:lvl8pPr marL="3200400" indent="0" algn="l" defTabSz="914400" rtl="0" eaLnBrk="1" latinLnBrk="0" hangingPunct="1">
+              <a:lnSpc>
+                <a:spcPct val="90000"/>
+              </a:lnSpc>
+              <a:spcBef>
+                <a:spcPts val="500"/>
+              </a:spcBef>
+              <a:buFont typeface="Arial" panose="020B0604020202020204" pitchFamily="34" charset="0"/>
+              <a:buNone/>
+              <a:defRPr sz="1600" kern="1200">
+                <a:solidFill>
+                  <a:schemeClr val="tx1">
+                    <a:tint val="75000"/>
+                  </a:schemeClr>
+                </a:solidFill>
+                <a:latin typeface="+mn-lt"/>
+                <a:ea typeface="+mn-ea"/>
+                <a:cs typeface="+mn-cs"/>
+              </a:defRPr>
+            </a:lvl8pPr>
+            <a:lvl9pPr marL="3657600" indent="0" algn="l" defTabSz="914400" rtl="0" eaLnBrk="1" latinLnBrk="0" hangingPunct="1">
+              <a:lnSpc>
+                <a:spcPct val="90000"/>
+              </a:lnSpc>
+              <a:spcBef>
+                <a:spcPts val="500"/>
+              </a:spcBef>
+              <a:buFont typeface="Arial" panose="020B0604020202020204" pitchFamily="34" charset="0"/>
+              <a:buNone/>
+              <a:defRPr sz="1600" kern="1200">
+                <a:solidFill>
+                  <a:schemeClr val="tx1">
+                    <a:tint val="75000"/>
+                  </a:schemeClr>
+                </a:solidFill>
+                <a:latin typeface="+mn-lt"/>
+                <a:ea typeface="+mn-ea"/>
+                <a:cs typeface="+mn-cs"/>
+              </a:defRPr>
+            </a:lvl9pPr>
+          </a:lstStyle>
+          <a:p>
+            <a:pPr marL="342900" indent="-342900" algn="l">
+              <a:lnSpc>
+                <a:spcPct val="100000"/>
+              </a:lnSpc>
+              <a:spcBef>
+                <a:spcPts val="0"/>
+              </a:spcBef>
+              <a:buFont typeface="Arial" panose="020B0604020202020204" pitchFamily="34" charset="0"/>
+              <a:buChar char="•"/>
+            </a:pPr>
+            <a:r>
+              <a:rPr kumimoji="0" lang="en-US" sz="2000" b="1" i="0" u="none" strike="noStrike" kern="1200" cap="none" spc="0" normalizeH="0" baseline="0" noProof="0" dirty="0">
+                <a:ln>
+                  <a:noFill/>
+                </a:ln>
+                <a:solidFill>
+                  <a:schemeClr val="bg1"/>
+                </a:solidFill>
+                <a:effectLst/>
+                <a:uLnTx/>
+                <a:uFillTx/>
+                <a:latin typeface="Sagona ExtraLight" panose="02020303050505020204" pitchFamily="18" charset="0"/>
+                <a:ea typeface="+mn-ea"/>
+                <a:cs typeface="+mn-cs"/>
+              </a:rPr>
+              <a:t>Violent crime </a:t>
+            </a:r>
+          </a:p>
+          <a:p>
+            <a:pPr marL="342900" indent="-342900" algn="l">
+              <a:lnSpc>
+                <a:spcPct val="100000"/>
+              </a:lnSpc>
+              <a:spcBef>
+                <a:spcPts val="0"/>
+              </a:spcBef>
+              <a:buFont typeface="Arial" panose="020B0604020202020204" pitchFamily="34" charset="0"/>
+              <a:buChar char="•"/>
+            </a:pPr>
+            <a:r>
+              <a:rPr lang="en-US" sz="2000" cap="none" spc="0" dirty="0">
+                <a:solidFill>
+                  <a:schemeClr val="bg1"/>
+                </a:solidFill>
+                <a:latin typeface="Sagona ExtraLight" panose="02020303050505020204" pitchFamily="18" charset="0"/>
+              </a:rPr>
+              <a:t>Property crime</a:t>
+            </a:r>
+            <a:endParaRPr kumimoji="0" lang="en-US" sz="2000" b="1" i="0" u="none" strike="noStrike" kern="1200" cap="none" spc="0" normalizeH="0" baseline="0" noProof="0" dirty="0">
+              <a:ln>
+                <a:noFill/>
+              </a:ln>
+              <a:solidFill>
+                <a:schemeClr val="bg1"/>
+              </a:solidFill>
+              <a:effectLst/>
+              <a:uLnTx/>
+              <a:uFillTx/>
+              <a:latin typeface="Sagona ExtraLight" panose="02020303050505020204" pitchFamily="18" charset="0"/>
+              <a:ea typeface="+mn-ea"/>
+              <a:cs typeface="+mn-cs"/>
+            </a:endParaRPr>
           </a:p>
         </p:txBody>
       </p:sp>
       <p:pic>
         <p:nvPicPr>
-          <p:cNvPr id="5" name="Picture 4" descr="Chart, scatter chart&#10;&#10;Description automatically generated">
-            <a:extLst>
-              <a:ext uri="{FF2B5EF4-FFF2-40B4-BE49-F238E27FC236}">
-                <a16:creationId xmlns:a16="http://schemas.microsoft.com/office/drawing/2014/main" id="{BF5A512F-F14D-4345-BFFA-BB8C5CEBB1E5}"/>
+          <p:cNvPr id="12" name="Picture 11">
+            <a:extLst>
+              <a:ext uri="{FF2B5EF4-FFF2-40B4-BE49-F238E27FC236}">
+                <a16:creationId xmlns:a16="http://schemas.microsoft.com/office/drawing/2014/main" id="{63E38483-2C44-47E3-8294-D8011FF6664E}"/>
               </a:ext>
             </a:extLst>
           </p:cNvPr>
@@ -22112,8 +21980,8 @@
         </p:blipFill>
         <p:spPr>
           <a:xfrm>
-            <a:off x="0" y="574515"/>
-            <a:ext cx="4174825" cy="2783216"/>
+            <a:off x="6096000" y="561975"/>
+            <a:ext cx="4909266" cy="1847850"/>
           </a:xfrm>
           <a:prstGeom prst="rect">
             <a:avLst/>
@@ -22122,10 +21990,10 @@
       </p:pic>
       <p:pic>
         <p:nvPicPr>
-          <p:cNvPr id="9" name="Picture 8" descr="Chart, scatter chart&#10;&#10;Description automatically generated">
-            <a:extLst>
-              <a:ext uri="{FF2B5EF4-FFF2-40B4-BE49-F238E27FC236}">
-                <a16:creationId xmlns:a16="http://schemas.microsoft.com/office/drawing/2014/main" id="{C903895A-DE1F-4052-A140-4308E2718BCC}"/>
+          <p:cNvPr id="4" name="Picture 3">
+            <a:extLst>
+              <a:ext uri="{FF2B5EF4-FFF2-40B4-BE49-F238E27FC236}">
+                <a16:creationId xmlns:a16="http://schemas.microsoft.com/office/drawing/2014/main" id="{00B946D1-D559-4A79-B1DF-8F3D97E674EC}"/>
               </a:ext>
             </a:extLst>
           </p:cNvPr>
@@ -22142,6 +22010,164 @@
         </p:blipFill>
         <p:spPr>
           <a:xfrm>
+            <a:off x="5992789" y="707570"/>
+            <a:ext cx="5992381" cy="3994921"/>
+          </a:xfrm>
+          <a:prstGeom prst="rect">
+            <a:avLst/>
+          </a:prstGeom>
+        </p:spPr>
+      </p:pic>
+      <p:sp>
+        <p:nvSpPr>
+          <p:cNvPr id="5" name="TextBox 4">
+            <a:extLst>
+              <a:ext uri="{FF2B5EF4-FFF2-40B4-BE49-F238E27FC236}">
+                <a16:creationId xmlns:a16="http://schemas.microsoft.com/office/drawing/2014/main" id="{B81A0E78-DF20-409B-99C1-69EFC1A132F6}"/>
+              </a:ext>
+            </a:extLst>
+          </p:cNvPr>
+          <p:cNvSpPr txBox="1"/>
+          <p:nvPr/>
+        </p:nvSpPr>
+        <p:spPr>
+          <a:xfrm>
+            <a:off x="7413171" y="5170715"/>
+            <a:ext cx="3799115" cy="369332"/>
+          </a:xfrm>
+          <a:prstGeom prst="rect">
+            <a:avLst/>
+          </a:prstGeom>
+          <a:noFill/>
+        </p:spPr>
+        <p:txBody>
+          <a:bodyPr wrap="square" rtlCol="0">
+            <a:spAutoFit/>
+          </a:bodyPr>
+          <a:lstStyle/>
+          <a:p>
+            <a:r>
+              <a:rPr lang="en-US" dirty="0"/>
+              <a:t>Correlation coefficient: 0.54</a:t>
+            </a:r>
+          </a:p>
+        </p:txBody>
+      </p:sp>
+    </p:spTree>
+    <p:extLst>
+      <p:ext uri="{BB962C8B-B14F-4D97-AF65-F5344CB8AC3E}">
+        <p14:creationId xmlns:p14="http://schemas.microsoft.com/office/powerpoint/2010/main" val="1831919984"/>
+      </p:ext>
+    </p:extLst>
+  </p:cSld>
+  <p:clrMapOvr>
+    <a:masterClrMapping/>
+  </p:clrMapOvr>
+</p:sld>
+</file>
+
+<file path=ppt/slides/slide13.xml><?xml version="1.0" encoding="utf-8"?>
+<p:sld xmlns:a="http://schemas.openxmlformats.org/drawingml/2006/main" xmlns:r="http://schemas.openxmlformats.org/officeDocument/2006/relationships" xmlns:p="http://schemas.openxmlformats.org/presentationml/2006/main" showMasterSp="0">
+  <p:cSld>
+    <p:spTree>
+      <p:nvGrpSpPr>
+        <p:cNvPr id="1" name=""/>
+        <p:cNvGrpSpPr/>
+        <p:nvPr/>
+      </p:nvGrpSpPr>
+      <p:grpSpPr>
+        <a:xfrm>
+          <a:off x="0" y="0"/>
+          <a:ext cx="0" cy="0"/>
+          <a:chOff x="0" y="0"/>
+          <a:chExt cx="0" cy="0"/>
+        </a:xfrm>
+      </p:grpSpPr>
+      <p:sp>
+        <p:nvSpPr>
+          <p:cNvPr id="2" name="Title 1">
+            <a:extLst>
+              <a:ext uri="{FF2B5EF4-FFF2-40B4-BE49-F238E27FC236}">
+                <a16:creationId xmlns:a16="http://schemas.microsoft.com/office/drawing/2014/main" id="{1B70B25A-3907-40AD-A366-322649985DBD}"/>
+              </a:ext>
+            </a:extLst>
+          </p:cNvPr>
+          <p:cNvSpPr>
+            <a:spLocks noGrp="1"/>
+          </p:cNvSpPr>
+          <p:nvPr>
+            <p:ph type="ctrTitle"/>
+          </p:nvPr>
+        </p:nvSpPr>
+        <p:spPr>
+          <a:xfrm>
+            <a:off x="739555" y="373917"/>
+            <a:ext cx="10134369" cy="335687"/>
+          </a:xfrm>
+        </p:spPr>
+        <p:txBody>
+          <a:bodyPr/>
+          <a:lstStyle/>
+          <a:p>
+            <a:r>
+              <a:rPr lang="en-US" sz="3200" dirty="0"/>
+              <a:t>Property Crimes</a:t>
+            </a:r>
+          </a:p>
+        </p:txBody>
+      </p:sp>
+      <p:pic>
+        <p:nvPicPr>
+          <p:cNvPr id="5" name="Picture 4" descr="Chart, scatter chart&#10;&#10;Description automatically generated">
+            <a:extLst>
+              <a:ext uri="{FF2B5EF4-FFF2-40B4-BE49-F238E27FC236}">
+                <a16:creationId xmlns:a16="http://schemas.microsoft.com/office/drawing/2014/main" id="{BF5A512F-F14D-4345-BFFA-BB8C5CEBB1E5}"/>
+              </a:ext>
+            </a:extLst>
+          </p:cNvPr>
+          <p:cNvPicPr>
+            <a:picLocks noChangeAspect="1"/>
+          </p:cNvPicPr>
+          <p:nvPr/>
+        </p:nvPicPr>
+        <p:blipFill>
+          <a:blip r:embed="rId2"/>
+          <a:stretch>
+            <a:fillRect/>
+          </a:stretch>
+        </p:blipFill>
+        <p:spPr>
+          <a:xfrm>
+            <a:off x="0" y="574515"/>
+            <a:ext cx="4174825" cy="2783216"/>
+          </a:xfrm>
+          <a:prstGeom prst="rect">
+            <a:avLst/>
+          </a:prstGeom>
+        </p:spPr>
+      </p:pic>
+      <p:pic>
+        <p:nvPicPr>
+          <p:cNvPr id="9" name="Picture 8" descr="Chart, scatter chart&#10;&#10;Description automatically generated">
+            <a:extLst>
+              <a:ext uri="{FF2B5EF4-FFF2-40B4-BE49-F238E27FC236}">
+                <a16:creationId xmlns:a16="http://schemas.microsoft.com/office/drawing/2014/main" id="{C903895A-DE1F-4052-A140-4308E2718BCC}"/>
+              </a:ext>
+            </a:extLst>
+          </p:cNvPr>
+          <p:cNvPicPr>
+            <a:picLocks noChangeAspect="1"/>
+          </p:cNvPicPr>
+          <p:nvPr/>
+        </p:nvPicPr>
+        <p:blipFill>
+          <a:blip r:embed="rId3"/>
+          <a:stretch>
+            <a:fillRect/>
+          </a:stretch>
+        </p:blipFill>
+        <p:spPr>
+          <a:xfrm>
             <a:off x="3918839" y="674339"/>
             <a:ext cx="4098338" cy="2732225"/>
           </a:xfrm>
@@ -22172,7 +22198,7 @@
         </p:blipFill>
         <p:spPr>
           <a:xfrm>
-            <a:off x="7740414" y="740745"/>
+            <a:off x="7910272" y="674339"/>
             <a:ext cx="4281728" cy="2854485"/>
           </a:xfrm>
           <a:prstGeom prst="rect">
@@ -22202,8 +22228,8 @@
         </p:blipFill>
         <p:spPr>
           <a:xfrm>
-            <a:off x="3727427" y="3688570"/>
-            <a:ext cx="4481162" cy="2987441"/>
+            <a:off x="3727426" y="3688570"/>
+            <a:ext cx="4570753" cy="3047168"/>
           </a:xfrm>
           <a:prstGeom prst="rect">
             <a:avLst/>
@@ -22225,13 +22251,13 @@
           <p:nvPr>
             <p:extLst>
               <p:ext uri="{D42A27DB-BD31-4B8C-83A1-F6EECF244321}">
-                <p14:modId xmlns:p14="http://schemas.microsoft.com/office/powerpoint/2010/main" val="4239325392"/>
+                <p14:modId xmlns:p14="http://schemas.microsoft.com/office/powerpoint/2010/main" val="534152651"/>
               </p:ext>
             </p:extLst>
           </p:nvPr>
         </p:nvGraphicFramePr>
         <p:xfrm>
-          <a:off x="627542" y="3688570"/>
+          <a:off x="456092" y="4073691"/>
           <a:ext cx="2204435" cy="2217197"/>
         </p:xfrm>
         <a:graphic>
@@ -22426,7 +22452,7 @@
 </p:sld>
 </file>
 
-<file path=ppt/slides/slide13.xml><?xml version="1.0" encoding="utf-8"?>
+<file path=ppt/slides/slide14.xml><?xml version="1.0" encoding="utf-8"?>
 <p:sld xmlns:a="http://schemas.openxmlformats.org/drawingml/2006/main" xmlns:r="http://schemas.openxmlformats.org/officeDocument/2006/relationships" xmlns:p="http://schemas.openxmlformats.org/presentationml/2006/main" showMasterSp="0">
   <p:cSld>
     <p:spTree>
@@ -22462,7 +22488,7 @@
         <p:spPr>
           <a:xfrm>
             <a:off x="232825" y="174309"/>
-            <a:ext cx="10115219" cy="698580"/>
+            <a:ext cx="10115219" cy="489677"/>
           </a:xfrm>
         </p:spPr>
         <p:txBody>
@@ -22470,7 +22496,7 @@
           <a:lstStyle/>
           <a:p>
             <a:r>
-              <a:rPr lang="en-US" sz="3800" dirty="0"/>
+              <a:rPr lang="en-US" sz="2400" dirty="0"/>
               <a:t>Violent crimes</a:t>
             </a:r>
           </a:p>
@@ -22498,7 +22524,7 @@
         </p:blipFill>
         <p:spPr>
           <a:xfrm>
-            <a:off x="629227" y="707552"/>
+            <a:off x="345198" y="662870"/>
             <a:ext cx="4490508" cy="2993671"/>
           </a:xfrm>
           <a:prstGeom prst="rect">
@@ -22528,7 +22554,7 @@
         </p:blipFill>
         <p:spPr>
           <a:xfrm>
-            <a:off x="7072267" y="707552"/>
+            <a:off x="4677515" y="419147"/>
             <a:ext cx="4735165" cy="3156776"/>
           </a:xfrm>
           <a:prstGeom prst="rect">
@@ -22558,7 +22584,7 @@
         </p:blipFill>
         <p:spPr>
           <a:xfrm>
-            <a:off x="3728417" y="3701223"/>
+            <a:off x="1695230" y="3701223"/>
             <a:ext cx="4735166" cy="3156777"/>
           </a:xfrm>
           <a:prstGeom prst="rect">
@@ -22581,21 +22607,21 @@
           <p:nvPr>
             <p:extLst>
               <p:ext uri="{D42A27DB-BD31-4B8C-83A1-F6EECF244321}">
-                <p14:modId xmlns:p14="http://schemas.microsoft.com/office/powerpoint/2010/main" val="1040691401"/>
+                <p14:modId xmlns:p14="http://schemas.microsoft.com/office/powerpoint/2010/main" val="2311656959"/>
               </p:ext>
             </p:extLst>
           </p:nvPr>
         </p:nvGraphicFramePr>
         <p:xfrm>
-          <a:off x="232825" y="4757386"/>
-          <a:ext cx="2616907" cy="1790775"/>
+          <a:off x="9254489" y="504221"/>
+          <a:ext cx="2704685" cy="1698101"/>
         </p:xfrm>
         <a:graphic>
           <a:graphicData uri="http://schemas.openxmlformats.org/drawingml/2006/table">
             <a:tbl>
               <a:tblPr/>
               <a:tblGrid>
-                <a:gridCol w="2616907">
+                <a:gridCol w="2704685">
                   <a:extLst>
                     <a:ext uri="{9D8B030D-6E8A-4147-A177-3AD203B41FA5}">
                       <a16:colId xmlns:a16="http://schemas.microsoft.com/office/drawing/2014/main" val="1776580524"/>
@@ -22603,23 +22629,23 @@
                   </a:extLst>
                 </a:gridCol>
               </a:tblGrid>
-              <a:tr h="1790775">
+              <a:tr h="1698101">
                 <a:tc>
                   <a:txBody>
                     <a:bodyPr/>
                     <a:lstStyle/>
                     <a:p>
                       <a:r>
-                        <a:rPr lang="en-US" u="sng" dirty="0"/>
+                        <a:rPr lang="en-US" sz="1600" u="sng" dirty="0"/>
                         <a:t>Correlation Coefficients</a:t>
                       </a:r>
                     </a:p>
                     <a:p>
-                      <a:endParaRPr lang="en-US" dirty="0"/>
+                      <a:endParaRPr lang="en-US" sz="1600" dirty="0"/>
                     </a:p>
                     <a:p>
                       <a:r>
-                        <a:rPr lang="en-US" dirty="0">
+                        <a:rPr lang="en-US" sz="1600" dirty="0">
                           <a:solidFill>
                             <a:srgbClr val="0070C0"/>
                           </a:solidFill>
@@ -22627,13 +22653,13 @@
                         <a:t>Aggravated Assault </a:t>
                       </a:r>
                       <a:r>
-                        <a:rPr lang="en-US" dirty="0"/>
+                        <a:rPr lang="en-US" sz="1600" dirty="0"/>
                         <a:t>: 0.45</a:t>
                       </a:r>
                     </a:p>
                     <a:p>
                       <a:r>
-                        <a:rPr lang="en-US" dirty="0">
+                        <a:rPr lang="en-US" sz="1600" dirty="0">
                           <a:solidFill>
                             <a:srgbClr val="0070C0"/>
                           </a:solidFill>
@@ -22641,13 +22667,13 @@
                         <a:t>Rape</a:t>
                       </a:r>
                       <a:r>
-                        <a:rPr lang="en-US" dirty="0"/>
+                        <a:rPr lang="en-US" sz="1600" dirty="0"/>
                         <a:t>: 0.3</a:t>
                       </a:r>
                     </a:p>
                     <a:p>
                       <a:r>
-                        <a:rPr lang="en-US" dirty="0">
+                        <a:rPr lang="en-US" sz="1600" dirty="0">
                           <a:solidFill>
                             <a:srgbClr val="0070C0"/>
                           </a:solidFill>
@@ -22655,8 +22681,22 @@
                         <a:t>Robbery</a:t>
                       </a:r>
                       <a:r>
-                        <a:rPr lang="en-US" dirty="0"/>
+                        <a:rPr lang="en-US" sz="1600" dirty="0"/>
                         <a:t>: 0.45</a:t>
+                      </a:r>
+                    </a:p>
+                    <a:p>
+                      <a:r>
+                        <a:rPr lang="en-US" sz="1600" dirty="0">
+                          <a:solidFill>
+                            <a:srgbClr val="0070C0"/>
+                          </a:solidFill>
+                        </a:rPr>
+                        <a:t>Murder</a:t>
+                      </a:r>
+                      <a:r>
+                        <a:rPr lang="en-US" sz="1600" dirty="0"/>
+                        <a:t>: 0.32</a:t>
                       </a:r>
                     </a:p>
                   </a:txBody>
@@ -22700,6 +22740,35 @@
           </a:graphicData>
         </a:graphic>
       </p:graphicFrame>
+      <p:pic>
+        <p:nvPicPr>
+          <p:cNvPr id="11" name="Picture 10" descr="Chart, scatter chart&#10;&#10;Description automatically generated">
+            <a:extLst>
+              <a:ext uri="{FF2B5EF4-FFF2-40B4-BE49-F238E27FC236}">
+                <a16:creationId xmlns:a16="http://schemas.microsoft.com/office/drawing/2014/main" id="{2806E92C-400D-4094-B59A-62202CC81652}"/>
+              </a:ext>
+            </a:extLst>
+          </p:cNvPr>
+          <p:cNvPicPr>
+            <a:picLocks noChangeAspect="1"/>
+          </p:cNvPicPr>
+          <p:nvPr/>
+        </p:nvPicPr>
+        <p:blipFill rotWithShape="1">
+          <a:blip r:embed="rId5"/>
+          <a:srcRect l="-4401" t="254" r="6155" b="-896"/>
+          <a:stretch/>
+        </p:blipFill>
+        <p:spPr>
+          <a:xfrm>
+            <a:off x="6726162" y="3526915"/>
+            <a:ext cx="5120640" cy="3200400"/>
+          </a:xfrm>
+          <a:prstGeom prst="rect">
+            <a:avLst/>
+          </a:prstGeom>
+        </p:spPr>
+      </p:pic>
     </p:spTree>
     <p:extLst>
       <p:ext uri="{BB962C8B-B14F-4D97-AF65-F5344CB8AC3E}">
@@ -22713,7 +22782,7 @@
 </p:sld>
 </file>
 
-<file path=ppt/slides/slide14.xml><?xml version="1.0" encoding="utf-8"?>
+<file path=ppt/slides/slide15.xml><?xml version="1.0" encoding="utf-8"?>
 <p:sld xmlns:a="http://schemas.openxmlformats.org/drawingml/2006/main" xmlns:r="http://schemas.openxmlformats.org/officeDocument/2006/relationships" xmlns:p="http://schemas.openxmlformats.org/presentationml/2006/main">
   <p:cSld>
     <p:spTree>
@@ -23070,7 +23139,232 @@
 </p:sld>
 </file>
 
-<file path=ppt/slides/slide15.xml><?xml version="1.0" encoding="utf-8"?>
+<file path=ppt/slides/slide16.xml><?xml version="1.0" encoding="utf-8"?>
+<p:sld xmlns:a="http://schemas.openxmlformats.org/drawingml/2006/main" xmlns:r="http://schemas.openxmlformats.org/officeDocument/2006/relationships" xmlns:p="http://schemas.openxmlformats.org/presentationml/2006/main" showMasterSp="0">
+  <p:cSld>
+    <p:spTree>
+      <p:nvGrpSpPr>
+        <p:cNvPr id="1" name=""/>
+        <p:cNvGrpSpPr/>
+        <p:nvPr/>
+      </p:nvGrpSpPr>
+      <p:grpSpPr>
+        <a:xfrm>
+          <a:off x="0" y="0"/>
+          <a:ext cx="0" cy="0"/>
+          <a:chOff x="0" y="0"/>
+          <a:chExt cx="0" cy="0"/>
+        </a:xfrm>
+      </p:grpSpPr>
+      <p:pic>
+        <p:nvPicPr>
+          <p:cNvPr id="8" name="Picture 7" descr="Chart, scatter chart&#10;&#10;Description automatically generated">
+            <a:extLst>
+              <a:ext uri="{FF2B5EF4-FFF2-40B4-BE49-F238E27FC236}">
+                <a16:creationId xmlns:a16="http://schemas.microsoft.com/office/drawing/2014/main" id="{59F8194F-49FD-4C0D-98E3-1A0FAE47F68A}"/>
+              </a:ext>
+            </a:extLst>
+          </p:cNvPr>
+          <p:cNvPicPr>
+            <a:picLocks noChangeAspect="1"/>
+          </p:cNvPicPr>
+          <p:nvPr/>
+        </p:nvPicPr>
+        <p:blipFill>
+          <a:blip r:embed="rId2"/>
+          <a:stretch>
+            <a:fillRect/>
+          </a:stretch>
+        </p:blipFill>
+        <p:spPr>
+          <a:xfrm>
+            <a:off x="3876261" y="1074681"/>
+            <a:ext cx="3596546" cy="3813385"/>
+          </a:xfrm>
+          <a:prstGeom prst="rect">
+            <a:avLst/>
+          </a:prstGeom>
+        </p:spPr>
+      </p:pic>
+      <p:pic>
+        <p:nvPicPr>
+          <p:cNvPr id="14" name="Picture 13" descr="Chart, histogram&#10;&#10;Description automatically generated">
+            <a:extLst>
+              <a:ext uri="{FF2B5EF4-FFF2-40B4-BE49-F238E27FC236}">
+                <a16:creationId xmlns:a16="http://schemas.microsoft.com/office/drawing/2014/main" id="{855C7B15-A1A7-4C31-AB28-CF7BD476780B}"/>
+              </a:ext>
+            </a:extLst>
+          </p:cNvPr>
+          <p:cNvPicPr>
+            <a:picLocks noChangeAspect="1"/>
+          </p:cNvPicPr>
+          <p:nvPr/>
+        </p:nvPicPr>
+        <p:blipFill>
+          <a:blip r:embed="rId3"/>
+          <a:stretch>
+            <a:fillRect/>
+          </a:stretch>
+        </p:blipFill>
+        <p:spPr>
+          <a:xfrm>
+            <a:off x="0" y="731499"/>
+            <a:ext cx="3790596" cy="4028998"/>
+          </a:xfrm>
+          <a:prstGeom prst="rect">
+            <a:avLst/>
+          </a:prstGeom>
+        </p:spPr>
+      </p:pic>
+      <p:sp>
+        <p:nvSpPr>
+          <p:cNvPr id="15" name="TextBox 14">
+            <a:extLst>
+              <a:ext uri="{FF2B5EF4-FFF2-40B4-BE49-F238E27FC236}">
+                <a16:creationId xmlns:a16="http://schemas.microsoft.com/office/drawing/2014/main" id="{14696C6E-9400-4946-B2DA-41C6EFB4840A}"/>
+              </a:ext>
+            </a:extLst>
+          </p:cNvPr>
+          <p:cNvSpPr txBox="1"/>
+          <p:nvPr/>
+        </p:nvSpPr>
+        <p:spPr>
+          <a:xfrm>
+            <a:off x="1272209" y="5325789"/>
+            <a:ext cx="2604052" cy="369332"/>
+          </a:xfrm>
+          <a:prstGeom prst="rect">
+            <a:avLst/>
+          </a:prstGeom>
+          <a:noFill/>
+        </p:spPr>
+        <p:txBody>
+          <a:bodyPr wrap="square" rtlCol="0">
+            <a:spAutoFit/>
+          </a:bodyPr>
+          <a:lstStyle/>
+          <a:p>
+            <a:r>
+              <a:rPr lang="en-US" dirty="0"/>
+              <a:t>Non-Violent by Age</a:t>
+            </a:r>
+          </a:p>
+        </p:txBody>
+      </p:sp>
+      <p:sp>
+        <p:nvSpPr>
+          <p:cNvPr id="16" name="TextBox 15">
+            <a:extLst>
+              <a:ext uri="{FF2B5EF4-FFF2-40B4-BE49-F238E27FC236}">
+                <a16:creationId xmlns:a16="http://schemas.microsoft.com/office/drawing/2014/main" id="{86EEEC07-6402-4350-B457-D56C2BD1F9ED}"/>
+              </a:ext>
+            </a:extLst>
+          </p:cNvPr>
+          <p:cNvSpPr txBox="1"/>
+          <p:nvPr/>
+        </p:nvSpPr>
+        <p:spPr>
+          <a:xfrm>
+            <a:off x="8673483" y="5260530"/>
+            <a:ext cx="3123042" cy="369332"/>
+          </a:xfrm>
+          <a:prstGeom prst="rect">
+            <a:avLst/>
+          </a:prstGeom>
+          <a:noFill/>
+        </p:spPr>
+        <p:txBody>
+          <a:bodyPr wrap="square" rtlCol="0">
+            <a:spAutoFit/>
+          </a:bodyPr>
+          <a:lstStyle/>
+          <a:p>
+            <a:r>
+              <a:rPr lang="en-US" dirty="0"/>
+              <a:t>Violent &amp; Non-Violent by Age</a:t>
+            </a:r>
+          </a:p>
+        </p:txBody>
+      </p:sp>
+      <p:sp>
+        <p:nvSpPr>
+          <p:cNvPr id="17" name="TextBox 16">
+            <a:extLst>
+              <a:ext uri="{FF2B5EF4-FFF2-40B4-BE49-F238E27FC236}">
+                <a16:creationId xmlns:a16="http://schemas.microsoft.com/office/drawing/2014/main" id="{61642099-34B7-457D-B40F-1B7E746CB9DB}"/>
+              </a:ext>
+            </a:extLst>
+          </p:cNvPr>
+          <p:cNvSpPr txBox="1"/>
+          <p:nvPr/>
+        </p:nvSpPr>
+        <p:spPr>
+          <a:xfrm>
+            <a:off x="5056123" y="5325789"/>
+            <a:ext cx="2604052" cy="369332"/>
+          </a:xfrm>
+          <a:prstGeom prst="rect">
+            <a:avLst/>
+          </a:prstGeom>
+          <a:noFill/>
+        </p:spPr>
+        <p:txBody>
+          <a:bodyPr wrap="square" rtlCol="0">
+            <a:spAutoFit/>
+          </a:bodyPr>
+          <a:lstStyle/>
+          <a:p>
+            <a:r>
+              <a:rPr lang="en-US" dirty="0"/>
+              <a:t>Violent by Age</a:t>
+            </a:r>
+          </a:p>
+        </p:txBody>
+      </p:sp>
+      <p:pic>
+        <p:nvPicPr>
+          <p:cNvPr id="3" name="Picture 2">
+            <a:extLst>
+              <a:ext uri="{FF2B5EF4-FFF2-40B4-BE49-F238E27FC236}">
+                <a16:creationId xmlns:a16="http://schemas.microsoft.com/office/drawing/2014/main" id="{6580E66A-D665-428C-8DF6-EC7597B77C54}"/>
+              </a:ext>
+            </a:extLst>
+          </p:cNvPr>
+          <p:cNvPicPr>
+            <a:picLocks noChangeAspect="1"/>
+          </p:cNvPicPr>
+          <p:nvPr/>
+        </p:nvPicPr>
+        <p:blipFill>
+          <a:blip r:embed="rId4"/>
+          <a:stretch>
+            <a:fillRect/>
+          </a:stretch>
+        </p:blipFill>
+        <p:spPr>
+          <a:xfrm>
+            <a:off x="7478540" y="1012098"/>
+            <a:ext cx="4648143" cy="4012499"/>
+          </a:xfrm>
+          <a:prstGeom prst="rect">
+            <a:avLst/>
+          </a:prstGeom>
+        </p:spPr>
+      </p:pic>
+    </p:spTree>
+    <p:extLst>
+      <p:ext uri="{BB962C8B-B14F-4D97-AF65-F5344CB8AC3E}">
+        <p14:creationId xmlns:p14="http://schemas.microsoft.com/office/powerpoint/2010/main" val="96304856"/>
+      </p:ext>
+    </p:extLst>
+  </p:cSld>
+  <p:clrMapOvr>
+    <a:masterClrMapping/>
+  </p:clrMapOvr>
+</p:sld>
+</file>
+
+<file path=ppt/slides/slide17.xml><?xml version="1.0" encoding="utf-8"?>
 <p:sld xmlns:a="http://schemas.openxmlformats.org/drawingml/2006/main" xmlns:r="http://schemas.openxmlformats.org/officeDocument/2006/relationships" xmlns:p="http://schemas.openxmlformats.org/presentationml/2006/main" showMasterSp="0">
   <p:cSld>
     <p:spTree>
@@ -23101,16 +23395,15 @@
           </p:cNvPicPr>
           <p:nvPr/>
         </p:nvPicPr>
-        <p:blipFill>
+        <p:blipFill rotWithShape="1">
           <a:blip r:embed="rId2"/>
-          <a:stretch>
-            <a:fillRect/>
-          </a:stretch>
+          <a:srcRect b="3633"/>
+          <a:stretch/>
         </p:blipFill>
         <p:spPr>
           <a:xfrm>
             <a:off x="1624519" y="982494"/>
-            <a:ext cx="9327377" cy="5408578"/>
+            <a:ext cx="9327377" cy="5212080"/>
           </a:xfrm>
           <a:prstGeom prst="rect">
             <a:avLst/>
@@ -23429,7 +23722,7 @@
 </p:sld>
 </file>
 
-<file path=ppt/slides/slide16.xml><?xml version="1.0" encoding="utf-8"?>
+<file path=ppt/slides/slide18.xml><?xml version="1.0" encoding="utf-8"?>
 <p:sld xmlns:a="http://schemas.openxmlformats.org/drawingml/2006/main" xmlns:r="http://schemas.openxmlformats.org/officeDocument/2006/relationships" xmlns:p="http://schemas.openxmlformats.org/presentationml/2006/main">
   <p:cSld>
     <p:spTree>
@@ -23765,7 +24058,7 @@
         </p:blipFill>
         <p:spPr>
           <a:xfrm>
-            <a:off x="2196648" y="1562427"/>
+            <a:off x="805998" y="1562427"/>
             <a:ext cx="6467683" cy="5149330"/>
           </a:xfrm>
           <a:prstGeom prst="rect">
@@ -23773,592 +24066,45 @@
           </a:prstGeom>
         </p:spPr>
       </p:pic>
+      <p:sp>
+        <p:nvSpPr>
+          <p:cNvPr id="7" name="TextBox 6">
+            <a:extLst>
+              <a:ext uri="{FF2B5EF4-FFF2-40B4-BE49-F238E27FC236}">
+                <a16:creationId xmlns:a16="http://schemas.microsoft.com/office/drawing/2014/main" id="{50470276-D172-4934-B100-298D3EB8C418}"/>
+              </a:ext>
+            </a:extLst>
+          </p:cNvPr>
+          <p:cNvSpPr txBox="1"/>
+          <p:nvPr/>
+        </p:nvSpPr>
+        <p:spPr>
+          <a:xfrm>
+            <a:off x="8172450" y="2309156"/>
+            <a:ext cx="3134700" cy="1477328"/>
+          </a:xfrm>
+          <a:prstGeom prst="rect">
+            <a:avLst/>
+          </a:prstGeom>
+          <a:noFill/>
+        </p:spPr>
+        <p:txBody>
+          <a:bodyPr wrap="square">
+            <a:spAutoFit/>
+          </a:bodyPr>
+          <a:lstStyle/>
+          <a:p>
+            <a:r>
+              <a:rPr lang="en-US" i="1" dirty="0"/>
+              <a:t>The average amount of crimes committed in the top 5 richest counties in the U.S. was 7194.8, the national average was 10187.26</a:t>
+            </a:r>
+          </a:p>
+        </p:txBody>
+      </p:sp>
     </p:spTree>
     <p:extLst>
       <p:ext uri="{BB962C8B-B14F-4D97-AF65-F5344CB8AC3E}">
         <p14:creationId xmlns:p14="http://schemas.microsoft.com/office/powerpoint/2010/main" val="3980176042"/>
-      </p:ext>
-    </p:extLst>
-  </p:cSld>
-  <p:clrMapOvr>
-    <a:masterClrMapping/>
-  </p:clrMapOvr>
-</p:sld>
-</file>
-
-<file path=ppt/slides/slide17.xml><?xml version="1.0" encoding="utf-8"?>
-<p:sld xmlns:a="http://schemas.openxmlformats.org/drawingml/2006/main" xmlns:r="http://schemas.openxmlformats.org/officeDocument/2006/relationships" xmlns:p="http://schemas.openxmlformats.org/presentationml/2006/main">
-  <p:cSld>
-    <p:spTree>
-      <p:nvGrpSpPr>
-        <p:cNvPr id="1" name=""/>
-        <p:cNvGrpSpPr/>
-        <p:nvPr/>
-      </p:nvGrpSpPr>
-      <p:grpSpPr>
-        <a:xfrm>
-          <a:off x="0" y="0"/>
-          <a:ext cx="0" cy="0"/>
-          <a:chOff x="0" y="0"/>
-          <a:chExt cx="0" cy="0"/>
-        </a:xfrm>
-      </p:grpSpPr>
-      <p:sp>
-        <p:nvSpPr>
-          <p:cNvPr id="22" name="Title 21">
-            <a:extLst>
-              <a:ext uri="{FF2B5EF4-FFF2-40B4-BE49-F238E27FC236}">
-                <a16:creationId xmlns:a16="http://schemas.microsoft.com/office/drawing/2014/main" id="{E93AABDC-C3FD-F345-990B-6E2D88310423}"/>
-              </a:ext>
-            </a:extLst>
-          </p:cNvPr>
-          <p:cNvSpPr>
-            <a:spLocks noGrp="1"/>
-          </p:cNvSpPr>
-          <p:nvPr>
-            <p:ph type="ctrTitle"/>
-          </p:nvPr>
-        </p:nvSpPr>
-        <p:spPr>
-          <a:xfrm>
-            <a:off x="-862019" y="888854"/>
-            <a:ext cx="11369068" cy="548912"/>
-          </a:xfrm>
-        </p:spPr>
-        <p:txBody>
-          <a:bodyPr/>
-          <a:lstStyle/>
-          <a:p>
-            <a:pPr marL="0" marR="0" lvl="0" indent="0" algn="ctr" defTabSz="914400" rtl="0" eaLnBrk="1" fontAlgn="auto" latinLnBrk="0" hangingPunct="1">
-              <a:lnSpc>
-                <a:spcPct val="100000"/>
-              </a:lnSpc>
-              <a:spcBef>
-                <a:spcPts val="0"/>
-              </a:spcBef>
-              <a:spcAft>
-                <a:spcPts val="0"/>
-              </a:spcAft>
-              <a:buClrTx/>
-              <a:buSzTx/>
-              <a:buFontTx/>
-              <a:buNone/>
-              <a:tabLst/>
-              <a:defRPr/>
-            </a:pPr>
-            <a:r>
-              <a:rPr kumimoji="0" lang="en-US" sz="2400" b="1" i="0" u="none" strike="noStrike" kern="1200" cap="none" spc="0" normalizeH="0" baseline="0" noProof="0" dirty="0">
-                <a:ln>
-                  <a:noFill/>
-                </a:ln>
-                <a:solidFill>
-                  <a:srgbClr val="045FC4">
-                    <a:lumMod val="75000"/>
-                  </a:srgbClr>
-                </a:solidFill>
-                <a:effectLst/>
-                <a:uLnTx/>
-                <a:uFillTx/>
-                <a:latin typeface="Sagona ExtraLight" panose="02020303050505020204" pitchFamily="18" charset="0"/>
-                <a:ea typeface="+mn-ea"/>
-                <a:cs typeface="+mn-cs"/>
-              </a:rPr>
-              <a:t>Are there any trends regarding demographics and crime rates?</a:t>
-            </a:r>
-            <a:br>
-              <a:rPr kumimoji="0" lang="en-US" sz="2400" b="0" i="0" u="none" strike="noStrike" kern="1200" cap="none" spc="0" normalizeH="0" baseline="0" noProof="0" dirty="0">
-                <a:ln>
-                  <a:noFill/>
-                </a:ln>
-                <a:solidFill>
-                  <a:srgbClr val="000000"/>
-                </a:solidFill>
-                <a:effectLst/>
-                <a:uLnTx/>
-                <a:uFillTx/>
-                <a:latin typeface="Calibri" panose="020F0502020204030204"/>
-                <a:ea typeface="+mn-ea"/>
-                <a:cs typeface="+mn-cs"/>
-              </a:rPr>
-            </a:br>
-            <a:br>
-              <a:rPr lang="en-US" sz="1100" dirty="0">
-                <a:effectLst/>
-                <a:latin typeface="Calibri" panose="020F0502020204030204" pitchFamily="34" charset="0"/>
-                <a:ea typeface="Calibri" panose="020F0502020204030204" pitchFamily="34" charset="0"/>
-                <a:cs typeface="Times New Roman" panose="02020603050405020304" pitchFamily="18" charset="0"/>
-              </a:rPr>
-            </a:br>
-            <a:endParaRPr lang="en-US" sz="1100" dirty="0">
-              <a:effectLst/>
-              <a:latin typeface="Calibri" panose="020F0502020204030204" pitchFamily="34" charset="0"/>
-              <a:ea typeface="Calibri" panose="020F0502020204030204" pitchFamily="34" charset="0"/>
-              <a:cs typeface="Times New Roman" panose="02020603050405020304" pitchFamily="18" charset="0"/>
-            </a:endParaRPr>
-          </a:p>
-        </p:txBody>
-      </p:sp>
-      <p:sp>
-        <p:nvSpPr>
-          <p:cNvPr id="10" name="Text Placeholder 16">
-            <a:extLst>
-              <a:ext uri="{FF2B5EF4-FFF2-40B4-BE49-F238E27FC236}">
-                <a16:creationId xmlns:a16="http://schemas.microsoft.com/office/drawing/2014/main" id="{7E9E5216-4CB4-4F13-9F51-049DD5D43E2F}"/>
-              </a:ext>
-            </a:extLst>
-          </p:cNvPr>
-          <p:cNvSpPr txBox="1">
-            <a:spLocks/>
-          </p:cNvSpPr>
-          <p:nvPr/>
-        </p:nvSpPr>
-        <p:spPr>
-          <a:xfrm>
-            <a:off x="395363" y="146243"/>
-            <a:ext cx="4672156" cy="426432"/>
-          </a:xfrm>
-          <a:prstGeom prst="rect">
-            <a:avLst/>
-          </a:prstGeom>
-        </p:spPr>
-        <p:txBody>
-          <a:bodyPr vert="horz" lIns="91440" tIns="45720" rIns="91440" bIns="45720" rtlCol="0" anchor="b">
-            <a:normAutofit/>
-          </a:bodyPr>
-          <a:lstStyle>
-            <a:lvl1pPr marL="0" indent="0" algn="l" defTabSz="914400" rtl="0" eaLnBrk="1" latinLnBrk="0" hangingPunct="1">
-              <a:lnSpc>
-                <a:spcPct val="90000"/>
-              </a:lnSpc>
-              <a:spcBef>
-                <a:spcPts val="1000"/>
-              </a:spcBef>
-              <a:buFont typeface="Arial" panose="020B0604020202020204" pitchFamily="34" charset="0"/>
-              <a:buNone/>
-              <a:defRPr sz="2800" b="1" kern="1200">
-                <a:solidFill>
-                  <a:schemeClr val="tx1"/>
-                </a:solidFill>
-                <a:latin typeface="Speak Pro" panose="020B0504020101020102" pitchFamily="34" charset="0"/>
-                <a:ea typeface="+mn-ea"/>
-                <a:cs typeface="+mn-cs"/>
-              </a:defRPr>
-            </a:lvl1pPr>
-            <a:lvl2pPr marL="457200" indent="0" algn="l" defTabSz="914400" rtl="0" eaLnBrk="1" latinLnBrk="0" hangingPunct="1">
-              <a:lnSpc>
-                <a:spcPct val="90000"/>
-              </a:lnSpc>
-              <a:spcBef>
-                <a:spcPts val="500"/>
-              </a:spcBef>
-              <a:buFont typeface="Arial" panose="020B0604020202020204" pitchFamily="34" charset="0"/>
-              <a:buNone/>
-              <a:defRPr sz="2000" b="1" kern="1200">
-                <a:solidFill>
-                  <a:schemeClr val="tx1"/>
-                </a:solidFill>
-                <a:latin typeface="+mn-lt"/>
-                <a:ea typeface="+mn-ea"/>
-                <a:cs typeface="+mn-cs"/>
-              </a:defRPr>
-            </a:lvl2pPr>
-            <a:lvl3pPr marL="914400" indent="0" algn="l" defTabSz="914400" rtl="0" eaLnBrk="1" latinLnBrk="0" hangingPunct="1">
-              <a:lnSpc>
-                <a:spcPct val="90000"/>
-              </a:lnSpc>
-              <a:spcBef>
-                <a:spcPts val="500"/>
-              </a:spcBef>
-              <a:buFont typeface="Arial" panose="020B0604020202020204" pitchFamily="34" charset="0"/>
-              <a:buNone/>
-              <a:defRPr sz="1800" b="1" kern="1200">
-                <a:solidFill>
-                  <a:schemeClr val="tx1"/>
-                </a:solidFill>
-                <a:latin typeface="+mn-lt"/>
-                <a:ea typeface="+mn-ea"/>
-                <a:cs typeface="+mn-cs"/>
-              </a:defRPr>
-            </a:lvl3pPr>
-            <a:lvl4pPr marL="1371600" indent="0" algn="l" defTabSz="914400" rtl="0" eaLnBrk="1" latinLnBrk="0" hangingPunct="1">
-              <a:lnSpc>
-                <a:spcPct val="90000"/>
-              </a:lnSpc>
-              <a:spcBef>
-                <a:spcPts val="500"/>
-              </a:spcBef>
-              <a:buFont typeface="Arial" panose="020B0604020202020204" pitchFamily="34" charset="0"/>
-              <a:buNone/>
-              <a:defRPr sz="1600" b="1" kern="1200">
-                <a:solidFill>
-                  <a:schemeClr val="tx1"/>
-                </a:solidFill>
-                <a:latin typeface="+mn-lt"/>
-                <a:ea typeface="+mn-ea"/>
-                <a:cs typeface="+mn-cs"/>
-              </a:defRPr>
-            </a:lvl4pPr>
-            <a:lvl5pPr marL="1828800" indent="0" algn="l" defTabSz="914400" rtl="0" eaLnBrk="1" latinLnBrk="0" hangingPunct="1">
-              <a:lnSpc>
-                <a:spcPct val="90000"/>
-              </a:lnSpc>
-              <a:spcBef>
-                <a:spcPts val="500"/>
-              </a:spcBef>
-              <a:buFont typeface="Arial" panose="020B0604020202020204" pitchFamily="34" charset="0"/>
-              <a:buNone/>
-              <a:defRPr sz="1600" b="1" kern="1200">
-                <a:solidFill>
-                  <a:schemeClr val="tx1"/>
-                </a:solidFill>
-                <a:latin typeface="+mn-lt"/>
-                <a:ea typeface="+mn-ea"/>
-                <a:cs typeface="+mn-cs"/>
-              </a:defRPr>
-            </a:lvl5pPr>
-            <a:lvl6pPr marL="2286000" indent="0" algn="l" defTabSz="914400" rtl="0" eaLnBrk="1" latinLnBrk="0" hangingPunct="1">
-              <a:lnSpc>
-                <a:spcPct val="90000"/>
-              </a:lnSpc>
-              <a:spcBef>
-                <a:spcPts val="500"/>
-              </a:spcBef>
-              <a:buFont typeface="Arial" panose="020B0604020202020204" pitchFamily="34" charset="0"/>
-              <a:buNone/>
-              <a:defRPr sz="1600" b="1" kern="1200">
-                <a:solidFill>
-                  <a:schemeClr val="tx1"/>
-                </a:solidFill>
-                <a:latin typeface="+mn-lt"/>
-                <a:ea typeface="+mn-ea"/>
-                <a:cs typeface="+mn-cs"/>
-              </a:defRPr>
-            </a:lvl6pPr>
-            <a:lvl7pPr marL="2743200" indent="0" algn="l" defTabSz="914400" rtl="0" eaLnBrk="1" latinLnBrk="0" hangingPunct="1">
-              <a:lnSpc>
-                <a:spcPct val="90000"/>
-              </a:lnSpc>
-              <a:spcBef>
-                <a:spcPts val="500"/>
-              </a:spcBef>
-              <a:buFont typeface="Arial" panose="020B0604020202020204" pitchFamily="34" charset="0"/>
-              <a:buNone/>
-              <a:defRPr sz="1600" b="1" kern="1200">
-                <a:solidFill>
-                  <a:schemeClr val="tx1"/>
-                </a:solidFill>
-                <a:latin typeface="+mn-lt"/>
-                <a:ea typeface="+mn-ea"/>
-                <a:cs typeface="+mn-cs"/>
-              </a:defRPr>
-            </a:lvl7pPr>
-            <a:lvl8pPr marL="3200400" indent="0" algn="l" defTabSz="914400" rtl="0" eaLnBrk="1" latinLnBrk="0" hangingPunct="1">
-              <a:lnSpc>
-                <a:spcPct val="90000"/>
-              </a:lnSpc>
-              <a:spcBef>
-                <a:spcPts val="500"/>
-              </a:spcBef>
-              <a:buFont typeface="Arial" panose="020B0604020202020204" pitchFamily="34" charset="0"/>
-              <a:buNone/>
-              <a:defRPr sz="1600" b="1" kern="1200">
-                <a:solidFill>
-                  <a:schemeClr val="tx1"/>
-                </a:solidFill>
-                <a:latin typeface="+mn-lt"/>
-                <a:ea typeface="+mn-ea"/>
-                <a:cs typeface="+mn-cs"/>
-              </a:defRPr>
-            </a:lvl8pPr>
-            <a:lvl9pPr marL="3657600" indent="0" algn="l" defTabSz="914400" rtl="0" eaLnBrk="1" latinLnBrk="0" hangingPunct="1">
-              <a:lnSpc>
-                <a:spcPct val="90000"/>
-              </a:lnSpc>
-              <a:spcBef>
-                <a:spcPts val="500"/>
-              </a:spcBef>
-              <a:buFont typeface="Arial" panose="020B0604020202020204" pitchFamily="34" charset="0"/>
-              <a:buNone/>
-              <a:defRPr sz="1600" b="1" kern="1200">
-                <a:solidFill>
-                  <a:schemeClr val="tx1"/>
-                </a:solidFill>
-                <a:latin typeface="+mn-lt"/>
-                <a:ea typeface="+mn-ea"/>
-                <a:cs typeface="+mn-cs"/>
-              </a:defRPr>
-            </a:lvl9pPr>
-          </a:lstStyle>
-          <a:p>
-            <a:r>
-              <a:rPr lang="en-US" sz="2000" i="1" dirty="0">
-                <a:latin typeface="Sagona ExtraLight" panose="02020303050505020204" pitchFamily="18" charset="0"/>
-              </a:rPr>
-              <a:t>Research question #3</a:t>
-            </a:r>
-            <a:endParaRPr lang="en-US" sz="2000" dirty="0"/>
-          </a:p>
-        </p:txBody>
-      </p:sp>
-      <p:pic>
-        <p:nvPicPr>
-          <p:cNvPr id="8" name="Picture 7" descr="Chart, pie chart&#10;&#10;Description automatically generated">
-            <a:extLst>
-              <a:ext uri="{FF2B5EF4-FFF2-40B4-BE49-F238E27FC236}">
-                <a16:creationId xmlns:a16="http://schemas.microsoft.com/office/drawing/2014/main" id="{B4ADE431-E599-4BC9-985F-AADF4BC2AA92}"/>
-              </a:ext>
-            </a:extLst>
-          </p:cNvPr>
-          <p:cNvPicPr>
-            <a:picLocks noChangeAspect="1"/>
-          </p:cNvPicPr>
-          <p:nvPr/>
-        </p:nvPicPr>
-        <p:blipFill>
-          <a:blip r:embed="rId2"/>
-          <a:stretch>
-            <a:fillRect/>
-          </a:stretch>
-        </p:blipFill>
-        <p:spPr>
-          <a:xfrm>
-            <a:off x="3143660" y="1437767"/>
-            <a:ext cx="5671636" cy="5420234"/>
-          </a:xfrm>
-          <a:prstGeom prst="rect">
-            <a:avLst/>
-          </a:prstGeom>
-        </p:spPr>
-      </p:pic>
-    </p:spTree>
-    <p:extLst>
-      <p:ext uri="{BB962C8B-B14F-4D97-AF65-F5344CB8AC3E}">
-        <p14:creationId xmlns:p14="http://schemas.microsoft.com/office/powerpoint/2010/main" val="1069679162"/>
-      </p:ext>
-    </p:extLst>
-  </p:cSld>
-  <p:clrMapOvr>
-    <a:masterClrMapping/>
-  </p:clrMapOvr>
-</p:sld>
-</file>
-
-<file path=ppt/slides/slide18.xml><?xml version="1.0" encoding="utf-8"?>
-<p:sld xmlns:a="http://schemas.openxmlformats.org/drawingml/2006/main" xmlns:r="http://schemas.openxmlformats.org/officeDocument/2006/relationships" xmlns:p="http://schemas.openxmlformats.org/presentationml/2006/main" showMasterSp="0">
-  <p:cSld>
-    <p:spTree>
-      <p:nvGrpSpPr>
-        <p:cNvPr id="1" name=""/>
-        <p:cNvGrpSpPr/>
-        <p:nvPr/>
-      </p:nvGrpSpPr>
-      <p:grpSpPr>
-        <a:xfrm>
-          <a:off x="0" y="0"/>
-          <a:ext cx="0" cy="0"/>
-          <a:chOff x="0" y="0"/>
-          <a:chExt cx="0" cy="0"/>
-        </a:xfrm>
-      </p:grpSpPr>
-      <p:pic>
-        <p:nvPicPr>
-          <p:cNvPr id="5" name="Picture 4" descr="Chart, scatter chart&#10;&#10;Description automatically generated">
-            <a:extLst>
-              <a:ext uri="{FF2B5EF4-FFF2-40B4-BE49-F238E27FC236}">
-                <a16:creationId xmlns:a16="http://schemas.microsoft.com/office/drawing/2014/main" id="{C2B2D43D-AD9D-4249-9E97-20FB8C90AC2F}"/>
-              </a:ext>
-            </a:extLst>
-          </p:cNvPr>
-          <p:cNvPicPr>
-            <a:picLocks noChangeAspect="1"/>
-          </p:cNvPicPr>
-          <p:nvPr/>
-        </p:nvPicPr>
-        <p:blipFill>
-          <a:blip r:embed="rId2"/>
-          <a:stretch>
-            <a:fillRect/>
-          </a:stretch>
-        </p:blipFill>
-        <p:spPr>
-          <a:xfrm>
-            <a:off x="7816308" y="983974"/>
-            <a:ext cx="4222119" cy="3793022"/>
-          </a:xfrm>
-          <a:prstGeom prst="rect">
-            <a:avLst/>
-          </a:prstGeom>
-        </p:spPr>
-      </p:pic>
-      <p:pic>
-        <p:nvPicPr>
-          <p:cNvPr id="8" name="Picture 7" descr="Chart, scatter chart&#10;&#10;Description automatically generated">
-            <a:extLst>
-              <a:ext uri="{FF2B5EF4-FFF2-40B4-BE49-F238E27FC236}">
-                <a16:creationId xmlns:a16="http://schemas.microsoft.com/office/drawing/2014/main" id="{59F8194F-49FD-4C0D-98E3-1A0FAE47F68A}"/>
-              </a:ext>
-            </a:extLst>
-          </p:cNvPr>
-          <p:cNvPicPr>
-            <a:picLocks noChangeAspect="1"/>
-          </p:cNvPicPr>
-          <p:nvPr/>
-        </p:nvPicPr>
-        <p:blipFill>
-          <a:blip r:embed="rId3"/>
-          <a:stretch>
-            <a:fillRect/>
-          </a:stretch>
-        </p:blipFill>
-        <p:spPr>
-          <a:xfrm>
-            <a:off x="4290154" y="1074681"/>
-            <a:ext cx="3370021" cy="3573203"/>
-          </a:xfrm>
-          <a:prstGeom prst="rect">
-            <a:avLst/>
-          </a:prstGeom>
-        </p:spPr>
-      </p:pic>
-      <p:pic>
-        <p:nvPicPr>
-          <p:cNvPr id="14" name="Picture 13" descr="Chart, histogram&#10;&#10;Description automatically generated">
-            <a:extLst>
-              <a:ext uri="{FF2B5EF4-FFF2-40B4-BE49-F238E27FC236}">
-                <a16:creationId xmlns:a16="http://schemas.microsoft.com/office/drawing/2014/main" id="{855C7B15-A1A7-4C31-AB28-CF7BD476780B}"/>
-              </a:ext>
-            </a:extLst>
-          </p:cNvPr>
-          <p:cNvPicPr>
-            <a:picLocks noChangeAspect="1"/>
-          </p:cNvPicPr>
-          <p:nvPr/>
-        </p:nvPicPr>
-        <p:blipFill>
-          <a:blip r:embed="rId4"/>
-          <a:stretch>
-            <a:fillRect/>
-          </a:stretch>
-        </p:blipFill>
-        <p:spPr>
-          <a:xfrm>
-            <a:off x="419454" y="784209"/>
-            <a:ext cx="3635055" cy="3863675"/>
-          </a:xfrm>
-          <a:prstGeom prst="rect">
-            <a:avLst/>
-          </a:prstGeom>
-        </p:spPr>
-      </p:pic>
-      <p:sp>
-        <p:nvSpPr>
-          <p:cNvPr id="15" name="TextBox 14">
-            <a:extLst>
-              <a:ext uri="{FF2B5EF4-FFF2-40B4-BE49-F238E27FC236}">
-                <a16:creationId xmlns:a16="http://schemas.microsoft.com/office/drawing/2014/main" id="{14696C6E-9400-4946-B2DA-41C6EFB4840A}"/>
-              </a:ext>
-            </a:extLst>
-          </p:cNvPr>
-          <p:cNvSpPr txBox="1"/>
-          <p:nvPr/>
-        </p:nvSpPr>
-        <p:spPr>
-          <a:xfrm>
-            <a:off x="1272209" y="5325789"/>
-            <a:ext cx="2604052" cy="369332"/>
-          </a:xfrm>
-          <a:prstGeom prst="rect">
-            <a:avLst/>
-          </a:prstGeom>
-          <a:noFill/>
-        </p:spPr>
-        <p:txBody>
-          <a:bodyPr wrap="square" rtlCol="0">
-            <a:spAutoFit/>
-          </a:bodyPr>
-          <a:lstStyle/>
-          <a:p>
-            <a:r>
-              <a:rPr lang="en-US" dirty="0"/>
-              <a:t>Non-Violent by Age</a:t>
-            </a:r>
-          </a:p>
-        </p:txBody>
-      </p:sp>
-      <p:sp>
-        <p:nvSpPr>
-          <p:cNvPr id="16" name="TextBox 15">
-            <a:extLst>
-              <a:ext uri="{FF2B5EF4-FFF2-40B4-BE49-F238E27FC236}">
-                <a16:creationId xmlns:a16="http://schemas.microsoft.com/office/drawing/2014/main" id="{86EEEC07-6402-4350-B457-D56C2BD1F9ED}"/>
-              </a:ext>
-            </a:extLst>
-          </p:cNvPr>
-          <p:cNvSpPr txBox="1"/>
-          <p:nvPr/>
-        </p:nvSpPr>
-        <p:spPr>
-          <a:xfrm>
-            <a:off x="8673483" y="5260530"/>
-            <a:ext cx="3123042" cy="369332"/>
-          </a:xfrm>
-          <a:prstGeom prst="rect">
-            <a:avLst/>
-          </a:prstGeom>
-          <a:noFill/>
-        </p:spPr>
-        <p:txBody>
-          <a:bodyPr wrap="square" rtlCol="0">
-            <a:spAutoFit/>
-          </a:bodyPr>
-          <a:lstStyle/>
-          <a:p>
-            <a:r>
-              <a:rPr lang="en-US" dirty="0"/>
-              <a:t>Violent &amp; Non-Violent by Age</a:t>
-            </a:r>
-          </a:p>
-        </p:txBody>
-      </p:sp>
-      <p:sp>
-        <p:nvSpPr>
-          <p:cNvPr id="17" name="TextBox 16">
-            <a:extLst>
-              <a:ext uri="{FF2B5EF4-FFF2-40B4-BE49-F238E27FC236}">
-                <a16:creationId xmlns:a16="http://schemas.microsoft.com/office/drawing/2014/main" id="{61642099-34B7-457D-B40F-1B7E746CB9DB}"/>
-              </a:ext>
-            </a:extLst>
-          </p:cNvPr>
-          <p:cNvSpPr txBox="1"/>
-          <p:nvPr/>
-        </p:nvSpPr>
-        <p:spPr>
-          <a:xfrm>
-            <a:off x="5056123" y="5325789"/>
-            <a:ext cx="2604052" cy="369332"/>
-          </a:xfrm>
-          <a:prstGeom prst="rect">
-            <a:avLst/>
-          </a:prstGeom>
-          <a:noFill/>
-        </p:spPr>
-        <p:txBody>
-          <a:bodyPr wrap="square" rtlCol="0">
-            <a:spAutoFit/>
-          </a:bodyPr>
-          <a:lstStyle/>
-          <a:p>
-            <a:r>
-              <a:rPr lang="en-US" dirty="0"/>
-              <a:t>Violent by Age</a:t>
-            </a:r>
-          </a:p>
-        </p:txBody>
-      </p:sp>
-    </p:spTree>
-    <p:extLst>
-      <p:ext uri="{BB962C8B-B14F-4D97-AF65-F5344CB8AC3E}">
-        <p14:creationId xmlns:p14="http://schemas.microsoft.com/office/powerpoint/2010/main" val="96304856"/>
       </p:ext>
     </p:extLst>
   </p:cSld>
@@ -24399,16 +24145,15 @@
           </p:cNvPicPr>
           <p:nvPr/>
         </p:nvPicPr>
-        <p:blipFill>
+        <p:blipFill rotWithShape="1">
           <a:blip r:embed="rId2"/>
-          <a:stretch>
-            <a:fillRect/>
-          </a:stretch>
+          <a:srcRect l="397" t="1357" r="-397" b="328"/>
+          <a:stretch/>
         </p:blipFill>
         <p:spPr>
           <a:xfrm>
-            <a:off x="319205" y="478003"/>
-            <a:ext cx="11701345" cy="5208421"/>
+            <a:off x="32050" y="457200"/>
+            <a:ext cx="12127900" cy="5307305"/>
           </a:xfrm>
           <a:prstGeom prst="rect">
             <a:avLst/>
@@ -25989,10 +25734,10 @@
       </p:grpSpPr>
       <p:pic>
         <p:nvPicPr>
-          <p:cNvPr id="11" name="Picture 10" descr="Chart, line chart, scatter chart&#10;&#10;Description automatically generated">
-            <a:extLst>
-              <a:ext uri="{FF2B5EF4-FFF2-40B4-BE49-F238E27FC236}">
-                <a16:creationId xmlns:a16="http://schemas.microsoft.com/office/drawing/2014/main" id="{3F35BF35-C2B4-4AF5-916D-74C4BC23D094}"/>
+          <p:cNvPr id="2" name="Picture 1">
+            <a:extLst>
+              <a:ext uri="{FF2B5EF4-FFF2-40B4-BE49-F238E27FC236}">
+                <a16:creationId xmlns:a16="http://schemas.microsoft.com/office/drawing/2014/main" id="{4A7403AC-0E76-4696-BBBC-DA444EEDE800}"/>
               </a:ext>
             </a:extLst>
           </p:cNvPr>
@@ -26009,8 +25754,8 @@
         </p:blipFill>
         <p:spPr>
           <a:xfrm>
-            <a:off x="875675" y="1485482"/>
-            <a:ext cx="5487650" cy="3658433"/>
+            <a:off x="552450" y="1019174"/>
+            <a:ext cx="5614988" cy="3743325"/>
           </a:xfrm>
           <a:prstGeom prst="rect">
             <a:avLst/>
@@ -26019,10 +25764,10 @@
       </p:pic>
       <p:pic>
         <p:nvPicPr>
-          <p:cNvPr id="13" name="Picture 12" descr="Chart, line chart, scatter chart&#10;&#10;Description automatically generated">
-            <a:extLst>
-              <a:ext uri="{FF2B5EF4-FFF2-40B4-BE49-F238E27FC236}">
-                <a16:creationId xmlns:a16="http://schemas.microsoft.com/office/drawing/2014/main" id="{1D57BDEE-C025-4546-881A-C4A0E1EE7CB6}"/>
+          <p:cNvPr id="3" name="Picture 2">
+            <a:extLst>
+              <a:ext uri="{FF2B5EF4-FFF2-40B4-BE49-F238E27FC236}">
+                <a16:creationId xmlns:a16="http://schemas.microsoft.com/office/drawing/2014/main" id="{842571DC-8E4E-4D64-9912-1F68D266A7D4}"/>
               </a:ext>
             </a:extLst>
           </p:cNvPr>
@@ -26031,22 +25776,91 @@
           </p:cNvPicPr>
           <p:nvPr/>
         </p:nvPicPr>
-        <p:blipFill>
+        <p:blipFill rotWithShape="1">
           <a:blip r:embed="rId3"/>
-          <a:stretch>
-            <a:fillRect/>
-          </a:stretch>
+          <a:srcRect t="-1222" b="1222"/>
+          <a:stretch/>
         </p:blipFill>
         <p:spPr>
           <a:xfrm>
-            <a:off x="6219200" y="1485483"/>
-            <a:ext cx="5487650" cy="3658433"/>
+            <a:off x="5762624" y="1095508"/>
+            <a:ext cx="6282503" cy="3743325"/>
           </a:xfrm>
           <a:prstGeom prst="rect">
             <a:avLst/>
           </a:prstGeom>
         </p:spPr>
       </p:pic>
+      <p:sp>
+        <p:nvSpPr>
+          <p:cNvPr id="4" name="TextBox 3">
+            <a:extLst>
+              <a:ext uri="{FF2B5EF4-FFF2-40B4-BE49-F238E27FC236}">
+                <a16:creationId xmlns:a16="http://schemas.microsoft.com/office/drawing/2014/main" id="{01C42664-E222-4EEB-A8C7-DB74C761541F}"/>
+              </a:ext>
+            </a:extLst>
+          </p:cNvPr>
+          <p:cNvSpPr txBox="1"/>
+          <p:nvPr/>
+        </p:nvSpPr>
+        <p:spPr>
+          <a:xfrm>
+            <a:off x="1762125" y="5200650"/>
+            <a:ext cx="4200525" cy="369332"/>
+          </a:xfrm>
+          <a:prstGeom prst="rect">
+            <a:avLst/>
+          </a:prstGeom>
+          <a:noFill/>
+        </p:spPr>
+        <p:txBody>
+          <a:bodyPr wrap="square" rtlCol="0">
+            <a:spAutoFit/>
+          </a:bodyPr>
+          <a:lstStyle/>
+          <a:p>
+            <a:r>
+              <a:rPr lang="en-US" dirty="0"/>
+              <a:t>Correlation coefficient: 0.56</a:t>
+            </a:r>
+          </a:p>
+        </p:txBody>
+      </p:sp>
+      <p:sp>
+        <p:nvSpPr>
+          <p:cNvPr id="7" name="TextBox 6">
+            <a:extLst>
+              <a:ext uri="{FF2B5EF4-FFF2-40B4-BE49-F238E27FC236}">
+                <a16:creationId xmlns:a16="http://schemas.microsoft.com/office/drawing/2014/main" id="{3D9DEE3B-CC5B-482E-BC32-110394F303D3}"/>
+              </a:ext>
+            </a:extLst>
+          </p:cNvPr>
+          <p:cNvSpPr txBox="1"/>
+          <p:nvPr/>
+        </p:nvSpPr>
+        <p:spPr>
+          <a:xfrm>
+            <a:off x="7439027" y="5200650"/>
+            <a:ext cx="4200525" cy="369332"/>
+          </a:xfrm>
+          <a:prstGeom prst="rect">
+            <a:avLst/>
+          </a:prstGeom>
+          <a:noFill/>
+        </p:spPr>
+        <p:txBody>
+          <a:bodyPr wrap="square" rtlCol="0">
+            <a:spAutoFit/>
+          </a:bodyPr>
+          <a:lstStyle/>
+          <a:p>
+            <a:r>
+              <a:rPr lang="en-US" dirty="0"/>
+              <a:t>Correlation coefficient: 0.43</a:t>
+            </a:r>
+          </a:p>
+        </p:txBody>
+      </p:sp>
     </p:spTree>
     <p:extLst>
       <p:ext uri="{BB962C8B-B14F-4D97-AF65-F5344CB8AC3E}">
@@ -26261,7 +26075,7 @@
               <a:rPr lang="en-US" sz="2200" b="1" i="1" dirty="0">
                 <a:latin typeface="+mn-lt"/>
               </a:rPr>
-              <a:t>Limitations in available data due to effects of COVID-19</a:t>
+              <a:t>Limitations </a:t>
             </a:r>
           </a:p>
           <a:p>
@@ -26280,7 +26094,7 @@
               <a:rPr lang="en-US" sz="2000" dirty="0">
                 <a:latin typeface="+mn-lt"/>
               </a:rPr>
-              <a:t>ata for the years of 2019 – 2020 incomplete. Used 2017 – 2018 as our sample   	set instead.</a:t>
+              <a:t>ata for the years of 2019-2020 incomplete, likely due to COVID-19. Used 2017-2018 as our sample set instead.</a:t>
             </a:r>
           </a:p>
           <a:p>
@@ -26307,6 +26121,12 @@
               </a:rPr>
               <a:t>.</a:t>
             </a:r>
+          </a:p>
+          <a:p>
+            <a:endParaRPr lang="en-US" sz="2200" b="1" i="1" dirty="0">
+              <a:effectLst/>
+              <a:latin typeface="+mn-lt"/>
+            </a:endParaRPr>
           </a:p>
           <a:p>
             <a:r>
@@ -26532,6 +26352,35 @@
               </a:rPr>
               <a:t>Which crimes are most prevalent based on other demographic factors? i.e. Education in the county? Are these repeat offenders? first time offenders?</a:t>
             </a:r>
+          </a:p>
+          <a:p>
+            <a:pPr marL="342900" indent="-342900">
+              <a:buFont typeface="Arial" panose="020B0604020202020204" pitchFamily="34" charset="0"/>
+              <a:buChar char="•"/>
+            </a:pPr>
+            <a:r>
+              <a:rPr lang="en-US" sz="2000" dirty="0">
+                <a:latin typeface="+mn-lt"/>
+              </a:rPr>
+              <a:t>We would be able to include latitude, race, sex and ethnicity in the analysis</a:t>
+            </a:r>
+          </a:p>
+          <a:p>
+            <a:pPr marL="342900" indent="-342900">
+              <a:buFont typeface="Arial" panose="020B0604020202020204" pitchFamily="34" charset="0"/>
+              <a:buChar char="•"/>
+            </a:pPr>
+            <a:r>
+              <a:rPr lang="en-US" sz="2000" dirty="0">
+                <a:latin typeface="+mn-lt"/>
+              </a:rPr>
+              <a:t>Using Time as a variable would have allowed us to identify more trends and make more predictions.</a:t>
+            </a:r>
+          </a:p>
+          <a:p>
+            <a:endParaRPr lang="en-US" sz="2200" dirty="0">
+              <a:latin typeface="+mn-lt"/>
+            </a:endParaRPr>
           </a:p>
         </p:txBody>
       </p:sp>
@@ -27297,7 +27146,7 @@
         </p:spPr>
         <p:txBody>
           <a:bodyPr>
-            <a:normAutofit fontScale="92500" lnSpcReduction="20000"/>
+            <a:normAutofit fontScale="85000" lnSpcReduction="20000"/>
           </a:bodyPr>
           <a:lstStyle/>
           <a:p>
@@ -27336,7 +27185,7 @@
                 <a:latin typeface="Calibri" panose="020F0502020204030204" pitchFamily="34" charset="0"/>
                 <a:cs typeface="Calibri" panose="020F0502020204030204" pitchFamily="34" charset="0"/>
               </a:rPr>
-              <a:t>Census.gov API (2017) - median income, population and density per US County</a:t>
+              <a:t>Census.gov API (2017) – median income, population and density per US County</a:t>
             </a:r>
           </a:p>
           <a:p>
@@ -27349,7 +27198,7 @@
                 <a:latin typeface="Calibri" panose="020F0502020204030204" pitchFamily="34" charset="0"/>
                 <a:cs typeface="Calibri" panose="020F0502020204030204" pitchFamily="34" charset="0"/>
               </a:rPr>
-              <a:t>FBI Uniform Crime Report for 2017 (.csv)</a:t>
+              <a:t>FBI Uniform Crime Report for 2017 API – crimes</a:t>
             </a:r>
           </a:p>
           <a:p>
@@ -27375,13 +27224,22 @@
                 <a:latin typeface="Calibri" panose="020F0502020204030204" pitchFamily="34" charset="0"/>
                 <a:cs typeface="Calibri" panose="020F0502020204030204" pitchFamily="34" charset="0"/>
               </a:rPr>
-              <a:t>FBI Crime Database API - age of offender and total crimes by county </a:t>
-            </a:r>
-            <a:endParaRPr lang="en-US" sz="2000" b="0" dirty="0">
-              <a:effectLst/>
-              <a:latin typeface="Calibri" panose="020F0502020204030204" pitchFamily="34" charset="0"/>
-              <a:cs typeface="Calibri" panose="020F0502020204030204" pitchFamily="34" charset="0"/>
-            </a:endParaRPr>
+              <a:t>FBI Crime Database API – age of offender and total crimes by county, latitude and longitude   </a:t>
+            </a:r>
+          </a:p>
+          <a:p>
+            <a:pPr marL="342900" indent="-342900">
+              <a:buFont typeface="Arial" panose="020B0604020202020204" pitchFamily="34" charset="0"/>
+              <a:buChar char="•"/>
+            </a:pPr>
+            <a:r>
+              <a:rPr lang="en-US" sz="2000" b="0" dirty="0">
+                <a:effectLst/>
+                <a:latin typeface="Calibri" panose="020F0502020204030204" pitchFamily="34" charset="0"/>
+                <a:cs typeface="Calibri" panose="020F0502020204030204" pitchFamily="34" charset="0"/>
+              </a:rPr>
+              <a:t>Bureau of Justice Statistics – crime data *didn’t use</a:t>
+            </a:r>
           </a:p>
           <a:p>
             <a:endParaRPr lang="en-US" sz="2000" dirty="0">
@@ -27904,10 +27762,136 @@
         </p:nvSpPr>
         <p:spPr/>
         <p:txBody>
-          <a:bodyPr/>
+          <a:bodyPr>
+            <a:normAutofit lnSpcReduction="10000"/>
+          </a:bodyPr>
           <a:lstStyle/>
           <a:p>
-            <a:endParaRPr lang="en-US" dirty="0"/>
+            <a:r>
+              <a:rPr lang="en-US" sz="2000" b="0" i="0" dirty="0">
+                <a:solidFill>
+                  <a:srgbClr val="1D1C1D"/>
+                </a:solidFill>
+                <a:effectLst/>
+                <a:latin typeface="Slack-Lato"/>
+              </a:rPr>
+              <a:t>We modeled the relationship between a dependent response -to be predicted-, and one or more explanatory/independent variables. </a:t>
+            </a:r>
+          </a:p>
+          <a:p>
+            <a:r>
+              <a:rPr lang="en-US" sz="2000" b="0" i="0" dirty="0">
+                <a:solidFill>
+                  <a:srgbClr val="1D1C1D"/>
+                </a:solidFill>
+                <a:effectLst/>
+                <a:latin typeface="Slack-Lato"/>
+              </a:rPr>
+              <a:t>In our case the response variable is the number of crimes committed in 2017. </a:t>
+            </a:r>
+          </a:p>
+          <a:p>
+            <a:r>
+              <a:rPr lang="en-US" sz="2000" b="0" i="0" dirty="0">
+                <a:solidFill>
+                  <a:srgbClr val="1D1C1D"/>
+                </a:solidFill>
+                <a:effectLst/>
+                <a:latin typeface="Slack-Lato"/>
+              </a:rPr>
+              <a:t>The explanatory variables are population density, offender age and median income of counties.</a:t>
+            </a:r>
+          </a:p>
+          <a:p>
+            <a:br>
+              <a:rPr lang="en-US" sz="2000" dirty="0"/>
+            </a:br>
+            <a:r>
+              <a:rPr lang="en-US" sz="2000" b="0" i="0" dirty="0">
+                <a:solidFill>
+                  <a:srgbClr val="1D1C1D"/>
+                </a:solidFill>
+                <a:effectLst/>
+                <a:latin typeface="Slack-Lato"/>
+              </a:rPr>
+              <a:t>Steps: </a:t>
+            </a:r>
+          </a:p>
+          <a:p>
+            <a:pPr marL="342900" indent="-342900">
+              <a:buFont typeface="Arial" panose="020B0604020202020204" pitchFamily="34" charset="0"/>
+              <a:buChar char="•"/>
+            </a:pPr>
+            <a:r>
+              <a:rPr lang="en-US" sz="2000" dirty="0">
+                <a:solidFill>
+                  <a:srgbClr val="1D1C1D"/>
+                </a:solidFill>
+                <a:latin typeface="Slack-Lato"/>
+              </a:rPr>
+              <a:t>D</a:t>
+            </a:r>
+            <a:r>
+              <a:rPr lang="en-US" sz="2000" b="0" i="0" dirty="0">
+                <a:solidFill>
+                  <a:srgbClr val="1D1C1D"/>
+                </a:solidFill>
+                <a:effectLst/>
+                <a:latin typeface="Slack-Lato"/>
+              </a:rPr>
+              <a:t>isplay general charts</a:t>
+            </a:r>
+          </a:p>
+          <a:p>
+            <a:pPr marL="342900" indent="-342900">
+              <a:buFont typeface="Arial" panose="020B0604020202020204" pitchFamily="34" charset="0"/>
+              <a:buChar char="•"/>
+            </a:pPr>
+            <a:r>
+              <a:rPr lang="en-US" sz="2000" dirty="0">
+                <a:solidFill>
+                  <a:srgbClr val="1D1C1D"/>
+                </a:solidFill>
+                <a:latin typeface="Slack-Lato"/>
+              </a:rPr>
+              <a:t>D</a:t>
+            </a:r>
+            <a:r>
+              <a:rPr lang="en-US" sz="2000" b="0" i="0" dirty="0">
+                <a:solidFill>
+                  <a:srgbClr val="1D1C1D"/>
+                </a:solidFill>
+                <a:effectLst/>
+                <a:latin typeface="Slack-Lato"/>
+              </a:rPr>
+              <a:t>isplay categorical and numerical scatter plots</a:t>
+            </a:r>
+          </a:p>
+          <a:p>
+            <a:pPr marL="342900" indent="-342900">
+              <a:buFont typeface="Arial" panose="020B0604020202020204" pitchFamily="34" charset="0"/>
+              <a:buChar char="•"/>
+            </a:pPr>
+            <a:r>
+              <a:rPr lang="en-US" sz="2000" dirty="0">
+                <a:solidFill>
+                  <a:srgbClr val="1D1C1D"/>
+                </a:solidFill>
+                <a:latin typeface="Slack-Lato"/>
+              </a:rPr>
+              <a:t>L</a:t>
+            </a:r>
+            <a:r>
+              <a:rPr lang="en-US" sz="2000" b="0" i="0" dirty="0">
+                <a:solidFill>
+                  <a:srgbClr val="1D1C1D"/>
+                </a:solidFill>
+                <a:effectLst/>
+                <a:latin typeface="Slack-Lato"/>
+              </a:rPr>
+              <a:t>ook for trends</a:t>
+            </a:r>
+            <a:endParaRPr lang="en-US" sz="2000" dirty="0"/>
           </a:p>
         </p:txBody>
       </p:sp>
